--- a/Awab BMD V2.pptx
+++ b/Awab BMD V2.pptx
@@ -2,7 +2,7 @@
 <file path=ppt/presentation.xml><?xml version="1.0" encoding="utf-8"?>
 <p:presentation xmlns:a="http://schemas.openxmlformats.org/drawingml/2006/main" xmlns:r="http://schemas.openxmlformats.org/officeDocument/2006/relationships" xmlns:p="http://schemas.openxmlformats.org/presentationml/2006/main" saveSubsetFonts="1">
   <p:sldMasterIdLst>
-    <p:sldMasterId id="2147483726" r:id="rId1"/>
+    <p:sldMasterId id="2147483780" r:id="rId1"/>
   </p:sldMasterIdLst>
   <p:sldIdLst>
     <p:sldId id="256" r:id="rId2"/>
@@ -16,6 +16,8 @@
     <p:sldId id="263" r:id="rId10"/>
     <p:sldId id="264" r:id="rId11"/>
     <p:sldId id="265" r:id="rId12"/>
+    <p:sldId id="268" r:id="rId13"/>
+    <p:sldId id="269" r:id="rId14"/>
   </p:sldIdLst>
   <p:sldSz cx="12192000" cy="6858000"/>
   <p:notesSz cx="6858000" cy="9144000"/>
@@ -359,7 +361,7 @@
     </p:spTree>
     <p:extLst>
       <p:ext uri="{BB962C8B-B14F-4D97-AF65-F5344CB8AC3E}">
-        <p14:creationId xmlns:p14="http://schemas.microsoft.com/office/powerpoint/2010/main" val="3166915707"/>
+        <p14:creationId xmlns:p14="http://schemas.microsoft.com/office/powerpoint/2010/main" val="4090232856"/>
       </p:ext>
     </p:extLst>
   </p:cSld>
@@ -634,7 +636,7 @@
     </p:spTree>
     <p:extLst>
       <p:ext uri="{BB962C8B-B14F-4D97-AF65-F5344CB8AC3E}">
-        <p14:creationId xmlns:p14="http://schemas.microsoft.com/office/powerpoint/2010/main" val="1114927849"/>
+        <p14:creationId xmlns:p14="http://schemas.microsoft.com/office/powerpoint/2010/main" val="813985659"/>
       </p:ext>
     </p:extLst>
   </p:cSld>
@@ -828,7 +830,7 @@
     </p:spTree>
     <p:extLst>
       <p:ext uri="{BB962C8B-B14F-4D97-AF65-F5344CB8AC3E}">
-        <p14:creationId xmlns:p14="http://schemas.microsoft.com/office/powerpoint/2010/main" val="1109271076"/>
+        <p14:creationId xmlns:p14="http://schemas.microsoft.com/office/powerpoint/2010/main" val="1917894522"/>
       </p:ext>
     </p:extLst>
   </p:cSld>
@@ -1195,7 +1197,7 @@
     </p:spTree>
     <p:extLst>
       <p:ext uri="{BB962C8B-B14F-4D97-AF65-F5344CB8AC3E}">
-        <p14:creationId xmlns:p14="http://schemas.microsoft.com/office/powerpoint/2010/main" val="3773946888"/>
+        <p14:creationId xmlns:p14="http://schemas.microsoft.com/office/powerpoint/2010/main" val="1239424077"/>
       </p:ext>
     </p:extLst>
   </p:cSld>
@@ -1442,7 +1444,7 @@
     </p:spTree>
     <p:extLst>
       <p:ext uri="{BB962C8B-B14F-4D97-AF65-F5344CB8AC3E}">
-        <p14:creationId xmlns:p14="http://schemas.microsoft.com/office/powerpoint/2010/main" val="1866588715"/>
+        <p14:creationId xmlns:p14="http://schemas.microsoft.com/office/powerpoint/2010/main" val="4048870978"/>
       </p:ext>
     </p:extLst>
   </p:cSld>
@@ -2065,7 +2067,7 @@
     </p:spTree>
     <p:extLst>
       <p:ext uri="{BB962C8B-B14F-4D97-AF65-F5344CB8AC3E}">
-        <p14:creationId xmlns:p14="http://schemas.microsoft.com/office/powerpoint/2010/main" val="94774151"/>
+        <p14:creationId xmlns:p14="http://schemas.microsoft.com/office/powerpoint/2010/main" val="2216576339"/>
       </p:ext>
     </p:extLst>
   </p:cSld>
@@ -2925,7 +2927,7 @@
     </p:spTree>
     <p:extLst>
       <p:ext uri="{BB962C8B-B14F-4D97-AF65-F5344CB8AC3E}">
-        <p14:creationId xmlns:p14="http://schemas.microsoft.com/office/powerpoint/2010/main" val="2032970287"/>
+        <p14:creationId xmlns:p14="http://schemas.microsoft.com/office/powerpoint/2010/main" val="2305446407"/>
       </p:ext>
     </p:extLst>
   </p:cSld>
@@ -3095,7 +3097,7 @@
     </p:spTree>
     <p:extLst>
       <p:ext uri="{BB962C8B-B14F-4D97-AF65-F5344CB8AC3E}">
-        <p14:creationId xmlns:p14="http://schemas.microsoft.com/office/powerpoint/2010/main" val="864188289"/>
+        <p14:creationId xmlns:p14="http://schemas.microsoft.com/office/powerpoint/2010/main" val="1072892494"/>
       </p:ext>
     </p:extLst>
   </p:cSld>
@@ -3275,7 +3277,7 @@
     </p:spTree>
     <p:extLst>
       <p:ext uri="{BB962C8B-B14F-4D97-AF65-F5344CB8AC3E}">
-        <p14:creationId xmlns:p14="http://schemas.microsoft.com/office/powerpoint/2010/main" val="3935758724"/>
+        <p14:creationId xmlns:p14="http://schemas.microsoft.com/office/powerpoint/2010/main" val="3466993673"/>
       </p:ext>
     </p:extLst>
   </p:cSld>
@@ -3445,7 +3447,7 @@
     </p:spTree>
     <p:extLst>
       <p:ext uri="{BB962C8B-B14F-4D97-AF65-F5344CB8AC3E}">
-        <p14:creationId xmlns:p14="http://schemas.microsoft.com/office/powerpoint/2010/main" val="687368362"/>
+        <p14:creationId xmlns:p14="http://schemas.microsoft.com/office/powerpoint/2010/main" val="4101701907"/>
       </p:ext>
     </p:extLst>
   </p:cSld>
@@ -3692,7 +3694,7 @@
     </p:spTree>
     <p:extLst>
       <p:ext uri="{BB962C8B-B14F-4D97-AF65-F5344CB8AC3E}">
-        <p14:creationId xmlns:p14="http://schemas.microsoft.com/office/powerpoint/2010/main" val="1706874916"/>
+        <p14:creationId xmlns:p14="http://schemas.microsoft.com/office/powerpoint/2010/main" val="228641403"/>
       </p:ext>
     </p:extLst>
   </p:cSld>
@@ -3984,7 +3986,7 @@
     </p:spTree>
     <p:extLst>
       <p:ext uri="{BB962C8B-B14F-4D97-AF65-F5344CB8AC3E}">
-        <p14:creationId xmlns:p14="http://schemas.microsoft.com/office/powerpoint/2010/main" val="3917951106"/>
+        <p14:creationId xmlns:p14="http://schemas.microsoft.com/office/powerpoint/2010/main" val="1393920779"/>
       </p:ext>
     </p:extLst>
   </p:cSld>
@@ -4428,7 +4430,7 @@
     </p:spTree>
     <p:extLst>
       <p:ext uri="{BB962C8B-B14F-4D97-AF65-F5344CB8AC3E}">
-        <p14:creationId xmlns:p14="http://schemas.microsoft.com/office/powerpoint/2010/main" val="3137896547"/>
+        <p14:creationId xmlns:p14="http://schemas.microsoft.com/office/powerpoint/2010/main" val="1038568156"/>
       </p:ext>
     </p:extLst>
   </p:cSld>
@@ -4546,7 +4548,7 @@
     </p:spTree>
     <p:extLst>
       <p:ext uri="{BB962C8B-B14F-4D97-AF65-F5344CB8AC3E}">
-        <p14:creationId xmlns:p14="http://schemas.microsoft.com/office/powerpoint/2010/main" val="1117782696"/>
+        <p14:creationId xmlns:p14="http://schemas.microsoft.com/office/powerpoint/2010/main" val="1218429160"/>
       </p:ext>
     </p:extLst>
   </p:cSld>
@@ -4641,7 +4643,7 @@
     </p:spTree>
     <p:extLst>
       <p:ext uri="{BB962C8B-B14F-4D97-AF65-F5344CB8AC3E}">
-        <p14:creationId xmlns:p14="http://schemas.microsoft.com/office/powerpoint/2010/main" val="3483742962"/>
+        <p14:creationId xmlns:p14="http://schemas.microsoft.com/office/powerpoint/2010/main" val="3713668373"/>
       </p:ext>
     </p:extLst>
   </p:cSld>
@@ -4920,7 +4922,7 @@
     </p:spTree>
     <p:extLst>
       <p:ext uri="{BB962C8B-B14F-4D97-AF65-F5344CB8AC3E}">
-        <p14:creationId xmlns:p14="http://schemas.microsoft.com/office/powerpoint/2010/main" val="2322548419"/>
+        <p14:creationId xmlns:p14="http://schemas.microsoft.com/office/powerpoint/2010/main" val="4116677974"/>
       </p:ext>
     </p:extLst>
   </p:cSld>
@@ -5195,7 +5197,7 @@
     </p:spTree>
     <p:extLst>
       <p:ext uri="{BB962C8B-B14F-4D97-AF65-F5344CB8AC3E}">
-        <p14:creationId xmlns:p14="http://schemas.microsoft.com/office/powerpoint/2010/main" val="4206323421"/>
+        <p14:creationId xmlns:p14="http://schemas.microsoft.com/office/powerpoint/2010/main" val="3862616759"/>
       </p:ext>
     </p:extLst>
   </p:cSld>
@@ -5661,29 +5663,29 @@
     </p:spTree>
     <p:extLst>
       <p:ext uri="{BB962C8B-B14F-4D97-AF65-F5344CB8AC3E}">
-        <p14:creationId xmlns:p14="http://schemas.microsoft.com/office/powerpoint/2010/main" val="2482688298"/>
+        <p14:creationId xmlns:p14="http://schemas.microsoft.com/office/powerpoint/2010/main" val="3634618929"/>
       </p:ext>
     </p:extLst>
   </p:cSld>
   <p:clrMap bg1="dk1" tx1="lt1" bg2="dk2" tx2="lt2" accent1="accent1" accent2="accent2" accent3="accent3" accent4="accent4" accent5="accent5" accent6="accent6" hlink="hlink" folHlink="folHlink"/>
   <p:sldLayoutIdLst>
-    <p:sldLayoutId id="2147483727" r:id="rId1"/>
-    <p:sldLayoutId id="2147483728" r:id="rId2"/>
-    <p:sldLayoutId id="2147483729" r:id="rId3"/>
-    <p:sldLayoutId id="2147483730" r:id="rId4"/>
-    <p:sldLayoutId id="2147483731" r:id="rId5"/>
-    <p:sldLayoutId id="2147483732" r:id="rId6"/>
-    <p:sldLayoutId id="2147483733" r:id="rId7"/>
-    <p:sldLayoutId id="2147483734" r:id="rId8"/>
-    <p:sldLayoutId id="2147483735" r:id="rId9"/>
-    <p:sldLayoutId id="2147483736" r:id="rId10"/>
-    <p:sldLayoutId id="2147483737" r:id="rId11"/>
-    <p:sldLayoutId id="2147483738" r:id="rId12"/>
-    <p:sldLayoutId id="2147483739" r:id="rId13"/>
-    <p:sldLayoutId id="2147483740" r:id="rId14"/>
-    <p:sldLayoutId id="2147483741" r:id="rId15"/>
-    <p:sldLayoutId id="2147483742" r:id="rId16"/>
-    <p:sldLayoutId id="2147483743" r:id="rId17"/>
+    <p:sldLayoutId id="2147483781" r:id="rId1"/>
+    <p:sldLayoutId id="2147483782" r:id="rId2"/>
+    <p:sldLayoutId id="2147483783" r:id="rId3"/>
+    <p:sldLayoutId id="2147483784" r:id="rId4"/>
+    <p:sldLayoutId id="2147483785" r:id="rId5"/>
+    <p:sldLayoutId id="2147483786" r:id="rId6"/>
+    <p:sldLayoutId id="2147483787" r:id="rId7"/>
+    <p:sldLayoutId id="2147483788" r:id="rId8"/>
+    <p:sldLayoutId id="2147483789" r:id="rId9"/>
+    <p:sldLayoutId id="2147483790" r:id="rId10"/>
+    <p:sldLayoutId id="2147483791" r:id="rId11"/>
+    <p:sldLayoutId id="2147483792" r:id="rId12"/>
+    <p:sldLayoutId id="2147483793" r:id="rId13"/>
+    <p:sldLayoutId id="2147483794" r:id="rId14"/>
+    <p:sldLayoutId id="2147483795" r:id="rId15"/>
+    <p:sldLayoutId id="2147483796" r:id="rId16"/>
+    <p:sldLayoutId id="2147483797" r:id="rId17"/>
   </p:sldLayoutIdLst>
   <p:txStyles>
     <p:titleStyle>
@@ -6117,13 +6119,18 @@
             <p:ph type="ctrTitle"/>
           </p:nvPr>
         </p:nvSpPr>
-        <p:spPr/>
+        <p:spPr>
+          <a:xfrm>
+            <a:off x="1804109" y="-1435003"/>
+            <a:ext cx="8825658" cy="3329581"/>
+          </a:xfrm>
+        </p:spPr>
         <p:txBody>
           <a:bodyPr/>
           <a:lstStyle/>
           <a:p>
             <a:r>
-              <a:rPr lang="en-GB" dirty="0"/>
+              <a:rPr lang="en-GB" sz="4800" dirty="0"/>
               <a:t>Dental Radiography Systems</a:t>
             </a:r>
           </a:p>
@@ -6145,30 +6152,65 @@
             <p:ph type="subTitle" idx="1"/>
           </p:nvPr>
         </p:nvSpPr>
-        <p:spPr/>
+        <p:spPr>
+          <a:xfrm>
+            <a:off x="471420" y="3048849"/>
+            <a:ext cx="10790311" cy="3829148"/>
+          </a:xfrm>
+        </p:spPr>
         <p:txBody>
           <a:bodyPr>
-            <a:normAutofit fontScale="70000" lnSpcReduction="20000"/>
+            <a:normAutofit/>
           </a:bodyPr>
           <a:lstStyle/>
           <a:p>
-            <a:r>
-              <a:rPr lang="en-US" dirty="0"/>
-              <a:t>Course: BMED434 – Medical Imaging</a:t>
-            </a:r>
-          </a:p>
-          <a:p>
-            <a:r>
-              <a:rPr lang="en-US" dirty="0"/>
-              <a:t>Awab Abdallah 22700366</a:t>
-            </a:r>
-          </a:p>
-          <a:p>
-            <a:r>
-              <a:rPr lang="en-US" dirty="0"/>
+            <a:pPr algn="ctr"/>
+            <a:r>
+              <a:rPr lang="en-US" sz="2800" b="1" dirty="0">
+                <a:solidFill>
+                  <a:schemeClr val="tx2"/>
+                </a:solidFill>
+              </a:rPr>
+              <a:t>BMED434 – Medical Imaging</a:t>
+            </a:r>
+          </a:p>
+          <a:p>
+            <a:pPr algn="ctr"/>
+            <a:r>
+              <a:rPr lang="en-US" sz="2800" b="1" dirty="0">
+                <a:solidFill>
+                  <a:schemeClr val="tx2"/>
+                </a:solidFill>
+              </a:rPr>
+              <a:t>Awab Abdallah </a:t>
+            </a:r>
+          </a:p>
+          <a:p>
+            <a:pPr algn="ctr"/>
+            <a:r>
+              <a:rPr lang="en-US" sz="2800" b="1" dirty="0">
+                <a:solidFill>
+                  <a:schemeClr val="tx2"/>
+                </a:solidFill>
+              </a:rPr>
+              <a:t>22700366</a:t>
+            </a:r>
+          </a:p>
+          <a:p>
+            <a:pPr algn="ctr"/>
+            <a:r>
+              <a:rPr lang="en-US" sz="2800" b="1" dirty="0">
+                <a:solidFill>
+                  <a:schemeClr val="tx2"/>
+                </a:solidFill>
+              </a:rPr>
               <a:t>Date: 2/6/2025</a:t>
             </a:r>
-            <a:endParaRPr lang="en-GB" dirty="0"/>
+            <a:endParaRPr lang="en-GB" sz="2800" b="1" dirty="0">
+              <a:solidFill>
+                <a:schemeClr val="tx2"/>
+              </a:solidFill>
+            </a:endParaRPr>
           </a:p>
         </p:txBody>
       </p:sp>
@@ -6220,7 +6262,9 @@
         </p:nvSpPr>
         <p:spPr/>
         <p:txBody>
-          <a:bodyPr/>
+          <a:bodyPr>
+            <a:normAutofit fontScale="90000"/>
+          </a:bodyPr>
           <a:lstStyle/>
           <a:p>
             <a:pPr algn="ctr"/>
@@ -6423,6 +6467,212 @@
     <p:extLst>
       <p:ext uri="{BB962C8B-B14F-4D97-AF65-F5344CB8AC3E}">
         <p14:creationId xmlns:p14="http://schemas.microsoft.com/office/powerpoint/2010/main" val="2760270128"/>
+      </p:ext>
+    </p:extLst>
+  </p:cSld>
+  <p:clrMapOvr>
+    <a:masterClrMapping/>
+  </p:clrMapOvr>
+</p:sld>
+</file>
+
+<file path=ppt/slides/slide12.xml><?xml version="1.0" encoding="utf-8"?>
+<p:sld xmlns:a="http://schemas.openxmlformats.org/drawingml/2006/main" xmlns:r="http://schemas.openxmlformats.org/officeDocument/2006/relationships" xmlns:p="http://schemas.openxmlformats.org/presentationml/2006/main">
+  <p:cSld>
+    <p:spTree>
+      <p:nvGrpSpPr>
+        <p:cNvPr id="1" name=""/>
+        <p:cNvGrpSpPr/>
+        <p:nvPr/>
+      </p:nvGrpSpPr>
+      <p:grpSpPr>
+        <a:xfrm>
+          <a:off x="0" y="0"/>
+          <a:ext cx="0" cy="0"/>
+          <a:chOff x="0" y="0"/>
+          <a:chExt cx="0" cy="0"/>
+        </a:xfrm>
+      </p:grpSpPr>
+      <p:sp>
+        <p:nvSpPr>
+          <p:cNvPr id="2" name="Title 1">
+            <a:extLst>
+              <a:ext uri="{FF2B5EF4-FFF2-40B4-BE49-F238E27FC236}">
+                <a16:creationId xmlns:a16="http://schemas.microsoft.com/office/drawing/2014/main" id="{26516DA9-14FD-71D7-4515-D8A3F96311B2}"/>
+              </a:ext>
+            </a:extLst>
+          </p:cNvPr>
+          <p:cNvSpPr>
+            <a:spLocks noGrp="1"/>
+          </p:cNvSpPr>
+          <p:nvPr>
+            <p:ph type="title"/>
+          </p:nvPr>
+        </p:nvSpPr>
+        <p:spPr/>
+        <p:txBody>
+          <a:bodyPr/>
+          <a:lstStyle/>
+          <a:p>
+            <a:r>
+              <a:rPr lang="en-US" dirty="0"/>
+              <a:t>References:</a:t>
+            </a:r>
+            <a:endParaRPr lang="en-GB" dirty="0"/>
+          </a:p>
+        </p:txBody>
+      </p:sp>
+      <p:sp>
+        <p:nvSpPr>
+          <p:cNvPr id="3" name="Content Placeholder 2">
+            <a:extLst>
+              <a:ext uri="{FF2B5EF4-FFF2-40B4-BE49-F238E27FC236}">
+                <a16:creationId xmlns:a16="http://schemas.microsoft.com/office/drawing/2014/main" id="{8407012E-E84C-D281-206A-3B57FC8FB1DD}"/>
+              </a:ext>
+            </a:extLst>
+          </p:cNvPr>
+          <p:cNvSpPr>
+            <a:spLocks noGrp="1"/>
+          </p:cNvSpPr>
+          <p:nvPr>
+            <p:ph idx="1"/>
+          </p:nvPr>
+        </p:nvSpPr>
+        <p:spPr/>
+        <p:txBody>
+          <a:bodyPr>
+            <a:normAutofit/>
+          </a:bodyPr>
+          <a:lstStyle/>
+          <a:p>
+            <a:pPr marL="0" indent="0">
+              <a:buNone/>
+            </a:pPr>
+            <a:r>
+              <a:rPr lang="en-US" dirty="0">
+                <a:hlinkClick r:id="rId2"/>
+              </a:rPr>
+              <a:t>Parts of a Dental X-ray Machine | </a:t>
+            </a:r>
+            <a:r>
+              <a:rPr lang="en-US" dirty="0" err="1">
+                <a:hlinkClick r:id="rId2"/>
+              </a:rPr>
+              <a:t>Medikabazaar</a:t>
+            </a:r>
+            <a:endParaRPr lang="en-US" dirty="0"/>
+          </a:p>
+        </p:txBody>
+      </p:sp>
+    </p:spTree>
+    <p:extLst>
+      <p:ext uri="{BB962C8B-B14F-4D97-AF65-F5344CB8AC3E}">
+        <p14:creationId xmlns:p14="http://schemas.microsoft.com/office/powerpoint/2010/main" val="3242345573"/>
+      </p:ext>
+    </p:extLst>
+  </p:cSld>
+  <p:clrMapOvr>
+    <a:masterClrMapping/>
+  </p:clrMapOvr>
+</p:sld>
+</file>
+
+<file path=ppt/slides/slide13.xml><?xml version="1.0" encoding="utf-8"?>
+<p:sld xmlns:a="http://schemas.openxmlformats.org/drawingml/2006/main" xmlns:r="http://schemas.openxmlformats.org/officeDocument/2006/relationships" xmlns:p="http://schemas.openxmlformats.org/presentationml/2006/main">
+  <p:cSld>
+    <p:spTree>
+      <p:nvGrpSpPr>
+        <p:cNvPr id="1" name=""/>
+        <p:cNvGrpSpPr/>
+        <p:nvPr/>
+      </p:nvGrpSpPr>
+      <p:grpSpPr>
+        <a:xfrm>
+          <a:off x="0" y="0"/>
+          <a:ext cx="0" cy="0"/>
+          <a:chOff x="0" y="0"/>
+          <a:chExt cx="0" cy="0"/>
+        </a:xfrm>
+      </p:grpSpPr>
+      <p:sp>
+        <p:nvSpPr>
+          <p:cNvPr id="2" name="Title 1">
+            <a:extLst>
+              <a:ext uri="{FF2B5EF4-FFF2-40B4-BE49-F238E27FC236}">
+                <a16:creationId xmlns:a16="http://schemas.microsoft.com/office/drawing/2014/main" id="{5DC379D6-ADAB-CE5F-169E-F829E433A2D1}"/>
+              </a:ext>
+            </a:extLst>
+          </p:cNvPr>
+          <p:cNvSpPr>
+            <a:spLocks noGrp="1"/>
+          </p:cNvSpPr>
+          <p:nvPr>
+            <p:ph type="title"/>
+          </p:nvPr>
+        </p:nvSpPr>
+        <p:spPr>
+          <a:xfrm>
+            <a:off x="1173114" y="1129793"/>
+            <a:ext cx="9404723" cy="1400530"/>
+          </a:xfrm>
+        </p:spPr>
+        <p:txBody>
+          <a:bodyPr/>
+          <a:lstStyle/>
+          <a:p>
+            <a:pPr algn="ctr"/>
+            <a:r>
+              <a:rPr lang="en-GB" dirty="0"/>
+              <a:t>Thank you</a:t>
+            </a:r>
+          </a:p>
+        </p:txBody>
+      </p:sp>
+      <p:sp>
+        <p:nvSpPr>
+          <p:cNvPr id="3" name="Content Placeholder 2">
+            <a:extLst>
+              <a:ext uri="{FF2B5EF4-FFF2-40B4-BE49-F238E27FC236}">
+                <a16:creationId xmlns:a16="http://schemas.microsoft.com/office/drawing/2014/main" id="{EAEB261C-4B6D-2D15-7D3B-3EA91B5554E1}"/>
+              </a:ext>
+            </a:extLst>
+          </p:cNvPr>
+          <p:cNvSpPr>
+            <a:spLocks noGrp="1"/>
+          </p:cNvSpPr>
+          <p:nvPr>
+            <p:ph idx="1"/>
+          </p:nvPr>
+        </p:nvSpPr>
+        <p:spPr>
+          <a:xfrm>
+            <a:off x="1173114" y="3993400"/>
+            <a:ext cx="8946541" cy="4195481"/>
+          </a:xfrm>
+        </p:spPr>
+        <p:txBody>
+          <a:bodyPr>
+            <a:normAutofit/>
+          </a:bodyPr>
+          <a:lstStyle/>
+          <a:p>
+            <a:pPr algn="ctr"/>
+            <a:r>
+              <a:rPr lang="en-GB" sz="2800" b="1" dirty="0"/>
+              <a:t>Any Question </a:t>
+            </a:r>
+            <a:r>
+              <a:rPr lang="en-US" sz="2800" b="1" dirty="0"/>
+              <a:t>?</a:t>
+            </a:r>
+            <a:endParaRPr lang="en-GB" sz="2800" b="1" dirty="0"/>
+          </a:p>
+        </p:txBody>
+      </p:sp>
+    </p:spTree>
+    <p:extLst>
+      <p:ext uri="{BB962C8B-B14F-4D97-AF65-F5344CB8AC3E}">
+        <p14:creationId xmlns:p14="http://schemas.microsoft.com/office/powerpoint/2010/main" val="2633734540"/>
       </p:ext>
     </p:extLst>
   </p:cSld>
@@ -7139,389 +7389,6 @@
           <a:chExt cx="0" cy="0"/>
         </a:xfrm>
       </p:grpSpPr>
-      <p:pic>
-        <p:nvPicPr>
-          <p:cNvPr id="29" name="Picture 28">
-            <a:extLst>
-              <a:ext uri="{FF2B5EF4-FFF2-40B4-BE49-F238E27FC236}">
-                <a16:creationId xmlns:a16="http://schemas.microsoft.com/office/drawing/2014/main" id="{DF19BAF3-7E20-4B9D-B544-BABAEEA1FA75}"/>
-              </a:ext>
-              <a:ext uri="{C183D7F6-B498-43B3-948B-1728B52AA6E4}">
-                <adec:decorative xmlns:adec="http://schemas.microsoft.com/office/drawing/2017/decorative" val="1"/>
-              </a:ext>
-            </a:extLst>
-          </p:cNvPr>
-          <p:cNvPicPr>
-            <a:picLocks noGrp="1" noRot="1" noChangeAspect="1" noMove="1" noResize="1" noEditPoints="1" noAdjustHandles="1" noChangeArrowheads="1" noChangeShapeType="1" noCrop="1"/>
-          </p:cNvPicPr>
-          <p:nvPr>
-            <p:extLst>
-              <p:ext uri="{386F3935-93C4-4BCD-93E2-E3B085C9AB24}">
-                <p16:designElem xmlns:p16="http://schemas.microsoft.com/office/powerpoint/2015/main" val="1"/>
-              </p:ext>
-            </p:extLst>
-          </p:nvPr>
-        </p:nvPicPr>
-        <p:blipFill rotWithShape="1">
-          <a:blip r:embed="rId3">
-            <a:extLst>
-              <a:ext uri="{28A0092B-C50C-407E-A947-70E740481C1C}">
-                <a14:useLocalDpi xmlns:a14="http://schemas.microsoft.com/office/drawing/2010/main" val="0"/>
-              </a:ext>
-            </a:extLst>
-          </a:blip>
-          <a:srcRect l="3613"/>
-          <a:stretch/>
-        </p:blipFill>
-        <p:spPr>
-          <a:xfrm>
-            <a:off x="0" y="2669685"/>
-            <a:ext cx="4037012" cy="4188315"/>
-          </a:xfrm>
-          <a:prstGeom prst="rect">
-            <a:avLst/>
-          </a:prstGeom>
-        </p:spPr>
-      </p:pic>
-      <p:pic>
-        <p:nvPicPr>
-          <p:cNvPr id="31" name="Picture 30">
-            <a:extLst>
-              <a:ext uri="{FF2B5EF4-FFF2-40B4-BE49-F238E27FC236}">
-                <a16:creationId xmlns:a16="http://schemas.microsoft.com/office/drawing/2014/main" id="{950648F4-ABCD-4DF0-8641-76CFB2354721}"/>
-              </a:ext>
-              <a:ext uri="{C183D7F6-B498-43B3-948B-1728B52AA6E4}">
-                <adec:decorative xmlns:adec="http://schemas.microsoft.com/office/drawing/2017/decorative" val="1"/>
-              </a:ext>
-            </a:extLst>
-          </p:cNvPr>
-          <p:cNvPicPr>
-            <a:picLocks noGrp="1" noRot="1" noChangeAspect="1" noMove="1" noResize="1" noEditPoints="1" noAdjustHandles="1" noChangeArrowheads="1" noChangeShapeType="1" noCrop="1"/>
-          </p:cNvPicPr>
-          <p:nvPr>
-            <p:extLst>
-              <p:ext uri="{386F3935-93C4-4BCD-93E2-E3B085C9AB24}">
-                <p16:designElem xmlns:p16="http://schemas.microsoft.com/office/powerpoint/2015/main" val="1"/>
-              </p:ext>
-            </p:extLst>
-          </p:nvPr>
-        </p:nvPicPr>
-        <p:blipFill rotWithShape="1">
-          <a:blip r:embed="rId4">
-            <a:extLst>
-              <a:ext uri="{28A0092B-C50C-407E-A947-70E740481C1C}">
-                <a14:useLocalDpi xmlns:a14="http://schemas.microsoft.com/office/drawing/2010/main" val="0"/>
-              </a:ext>
-            </a:extLst>
-          </a:blip>
-          <a:srcRect l="35640"/>
-          <a:stretch/>
-        </p:blipFill>
-        <p:spPr>
-          <a:xfrm>
-            <a:off x="0" y="2892347"/>
-            <a:ext cx="1522412" cy="2365453"/>
-          </a:xfrm>
-          <a:prstGeom prst="rect">
-            <a:avLst/>
-          </a:prstGeom>
-        </p:spPr>
-      </p:pic>
-      <p:sp>
-        <p:nvSpPr>
-          <p:cNvPr id="32" name="Oval 31">
-            <a:extLst>
-              <a:ext uri="{FF2B5EF4-FFF2-40B4-BE49-F238E27FC236}">
-                <a16:creationId xmlns:a16="http://schemas.microsoft.com/office/drawing/2014/main" id="{989BE678-777B-482A-A616-FEDC47B162E5}"/>
-              </a:ext>
-              <a:ext uri="{C183D7F6-B498-43B3-948B-1728B52AA6E4}">
-                <adec:decorative xmlns:adec="http://schemas.microsoft.com/office/drawing/2017/decorative" val="1"/>
-              </a:ext>
-            </a:extLst>
-          </p:cNvPr>
-          <p:cNvSpPr>
-            <a:spLocks noGrp="1" noRot="1" noChangeAspect="1" noMove="1" noResize="1" noEditPoints="1" noAdjustHandles="1" noChangeArrowheads="1" noChangeShapeType="1" noTextEdit="1"/>
-          </p:cNvSpPr>
-          <p:nvPr>
-            <p:extLst>
-              <p:ext uri="{386F3935-93C4-4BCD-93E2-E3B085C9AB24}">
-                <p16:designElem xmlns:p16="http://schemas.microsoft.com/office/powerpoint/2015/main" val="1"/>
-              </p:ext>
-            </p:extLst>
-          </p:nvPr>
-        </p:nvSpPr>
-        <p:spPr>
-          <a:xfrm>
-            <a:off x="8609012" y="1676400"/>
-            <a:ext cx="2819400" cy="2819400"/>
-          </a:xfrm>
-          <a:prstGeom prst="ellipse">
-            <a:avLst/>
-          </a:prstGeom>
-          <a:gradFill flip="none" rotWithShape="1">
-            <a:gsLst>
-              <a:gs pos="0">
-                <a:schemeClr val="bg2">
-                  <a:lumMod val="60000"/>
-                  <a:lumOff val="40000"/>
-                  <a:alpha val="7000"/>
-                </a:schemeClr>
-              </a:gs>
-              <a:gs pos="69000">
-                <a:schemeClr val="bg2">
-                  <a:lumMod val="60000"/>
-                  <a:lumOff val="40000"/>
-                  <a:alpha val="0"/>
-                </a:schemeClr>
-              </a:gs>
-              <a:gs pos="36000">
-                <a:schemeClr val="bg2">
-                  <a:lumMod val="60000"/>
-                  <a:lumOff val="40000"/>
-                  <a:alpha val="6000"/>
-                </a:schemeClr>
-              </a:gs>
-            </a:gsLst>
-            <a:path path="circle">
-              <a:fillToRect l="50000" t="50000" r="50000" b="50000"/>
-            </a:path>
-            <a:tileRect/>
-          </a:gradFill>
-          <a:ln>
-            <a:noFill/>
-          </a:ln>
-          <a:effectLst/>
-        </p:spPr>
-        <p:style>
-          <a:lnRef idx="1">
-            <a:schemeClr val="accent1"/>
-          </a:lnRef>
-          <a:fillRef idx="3">
-            <a:schemeClr val="accent1"/>
-          </a:fillRef>
-          <a:effectRef idx="2">
-            <a:schemeClr val="accent1"/>
-          </a:effectRef>
-          <a:fontRef idx="minor">
-            <a:schemeClr val="lt1"/>
-          </a:fontRef>
-        </p:style>
-        <p:txBody>
-          <a:bodyPr/>
-          <a:lstStyle/>
-          <a:p>
-            <a:endParaRPr lang="en-GB"/>
-          </a:p>
-        </p:txBody>
-      </p:sp>
-      <p:pic>
-        <p:nvPicPr>
-          <p:cNvPr id="33" name="Picture 32">
-            <a:extLst>
-              <a:ext uri="{FF2B5EF4-FFF2-40B4-BE49-F238E27FC236}">
-                <a16:creationId xmlns:a16="http://schemas.microsoft.com/office/drawing/2014/main" id="{CF1EB4BD-9C7E-4AA3-9681-C7EB0DA6250B}"/>
-              </a:ext>
-              <a:ext uri="{C183D7F6-B498-43B3-948B-1728B52AA6E4}">
-                <adec:decorative xmlns:adec="http://schemas.microsoft.com/office/drawing/2017/decorative" val="1"/>
-              </a:ext>
-            </a:extLst>
-          </p:cNvPr>
-          <p:cNvPicPr>
-            <a:picLocks noGrp="1" noRot="1" noChangeAspect="1" noMove="1" noResize="1" noEditPoints="1" noAdjustHandles="1" noChangeArrowheads="1" noChangeShapeType="1" noCrop="1"/>
-          </p:cNvPicPr>
-          <p:nvPr>
-            <p:extLst>
-              <p:ext uri="{386F3935-93C4-4BCD-93E2-E3B085C9AB24}">
-                <p16:designElem xmlns:p16="http://schemas.microsoft.com/office/powerpoint/2015/main" val="1"/>
-              </p:ext>
-            </p:extLst>
-          </p:nvPr>
-        </p:nvPicPr>
-        <p:blipFill rotWithShape="1">
-          <a:blip r:embed="rId5">
-            <a:extLst>
-              <a:ext uri="{28A0092B-C50C-407E-A947-70E740481C1C}">
-                <a14:useLocalDpi xmlns:a14="http://schemas.microsoft.com/office/drawing/2010/main" val="0"/>
-              </a:ext>
-            </a:extLst>
-          </a:blip>
-          <a:srcRect t="28813"/>
-          <a:stretch/>
-        </p:blipFill>
-        <p:spPr>
-          <a:xfrm>
-            <a:off x="7999412" y="0"/>
-            <a:ext cx="1603387" cy="1141407"/>
-          </a:xfrm>
-          <a:prstGeom prst="rect">
-            <a:avLst/>
-          </a:prstGeom>
-        </p:spPr>
-      </p:pic>
-      <p:pic>
-        <p:nvPicPr>
-          <p:cNvPr id="34" name="Picture 33">
-            <a:extLst>
-              <a:ext uri="{FF2B5EF4-FFF2-40B4-BE49-F238E27FC236}">
-                <a16:creationId xmlns:a16="http://schemas.microsoft.com/office/drawing/2014/main" id="{94AAE3AA-3759-4D28-B0EF-575F25A5146C}"/>
-              </a:ext>
-              <a:ext uri="{C183D7F6-B498-43B3-948B-1728B52AA6E4}">
-                <adec:decorative xmlns:adec="http://schemas.microsoft.com/office/drawing/2017/decorative" val="1"/>
-              </a:ext>
-            </a:extLst>
-          </p:cNvPr>
-          <p:cNvPicPr>
-            <a:picLocks noGrp="1" noRot="1" noChangeAspect="1" noMove="1" noResize="1" noEditPoints="1" noAdjustHandles="1" noChangeArrowheads="1" noChangeShapeType="1" noCrop="1"/>
-          </p:cNvPicPr>
-          <p:nvPr>
-            <p:extLst>
-              <p:ext uri="{386F3935-93C4-4BCD-93E2-E3B085C9AB24}">
-                <p16:designElem xmlns:p16="http://schemas.microsoft.com/office/powerpoint/2015/main" val="1"/>
-              </p:ext>
-            </p:extLst>
-          </p:nvPr>
-        </p:nvPicPr>
-        <p:blipFill rotWithShape="1">
-          <a:blip r:embed="rId6">
-            <a:extLst>
-              <a:ext uri="{28A0092B-C50C-407E-A947-70E740481C1C}">
-                <a14:useLocalDpi xmlns:a14="http://schemas.microsoft.com/office/drawing/2010/main" val="0"/>
-              </a:ext>
-            </a:extLst>
-          </a:blip>
-          <a:srcRect b="23320"/>
-          <a:stretch/>
-        </p:blipFill>
-        <p:spPr>
-          <a:xfrm>
-            <a:off x="8605878" y="6096000"/>
-            <a:ext cx="993734" cy="762000"/>
-          </a:xfrm>
-          <a:prstGeom prst="rect">
-            <a:avLst/>
-          </a:prstGeom>
-        </p:spPr>
-      </p:pic>
-      <p:sp>
-        <p:nvSpPr>
-          <p:cNvPr id="35" name="Rectangle 34">
-            <a:extLst>
-              <a:ext uri="{FF2B5EF4-FFF2-40B4-BE49-F238E27FC236}">
-                <a16:creationId xmlns:a16="http://schemas.microsoft.com/office/drawing/2014/main" id="{D28BE0C3-2102-4820-B88B-A448B1840D14}"/>
-              </a:ext>
-              <a:ext uri="{C183D7F6-B498-43B3-948B-1728B52AA6E4}">
-                <adec:decorative xmlns:adec="http://schemas.microsoft.com/office/drawing/2017/decorative" val="1"/>
-              </a:ext>
-            </a:extLst>
-          </p:cNvPr>
-          <p:cNvSpPr>
-            <a:spLocks noGrp="1" noRot="1" noChangeAspect="1" noMove="1" noResize="1" noEditPoints="1" noAdjustHandles="1" noChangeArrowheads="1" noChangeShapeType="1" noTextEdit="1"/>
-          </p:cNvSpPr>
-          <p:nvPr>
-            <p:extLst>
-              <p:ext uri="{386F3935-93C4-4BCD-93E2-E3B085C9AB24}">
-                <p16:designElem xmlns:p16="http://schemas.microsoft.com/office/powerpoint/2015/main" val="1"/>
-              </p:ext>
-            </p:extLst>
-          </p:nvPr>
-        </p:nvSpPr>
-        <p:spPr>
-          <a:xfrm>
-            <a:off x="10437812" y="0"/>
-            <a:ext cx="685800" cy="1143000"/>
-          </a:xfrm>
-          <a:prstGeom prst="rect">
-            <a:avLst/>
-          </a:prstGeom>
-          <a:solidFill>
-            <a:schemeClr val="accent1"/>
-          </a:solidFill>
-          <a:ln>
-            <a:noFill/>
-          </a:ln>
-        </p:spPr>
-        <p:style>
-          <a:lnRef idx="1">
-            <a:schemeClr val="accent1"/>
-          </a:lnRef>
-          <a:fillRef idx="3">
-            <a:schemeClr val="accent1"/>
-          </a:fillRef>
-          <a:effectRef idx="2">
-            <a:schemeClr val="accent1"/>
-          </a:effectRef>
-          <a:fontRef idx="minor">
-            <a:schemeClr val="lt1"/>
-          </a:fontRef>
-        </p:style>
-        <p:txBody>
-          <a:bodyPr/>
-          <a:lstStyle/>
-          <a:p>
-            <a:endParaRPr lang="en-GB"/>
-          </a:p>
-        </p:txBody>
-      </p:sp>
-      <p:sp>
-        <p:nvSpPr>
-          <p:cNvPr id="36" name="Rectangle 35">
-            <a:extLst>
-              <a:ext uri="{FF2B5EF4-FFF2-40B4-BE49-F238E27FC236}">
-                <a16:creationId xmlns:a16="http://schemas.microsoft.com/office/drawing/2014/main" id="{C6A81905-F480-46A4-BC10-215D24EA1AE6}"/>
-              </a:ext>
-              <a:ext uri="{C183D7F6-B498-43B3-948B-1728B52AA6E4}">
-                <adec:decorative xmlns:adec="http://schemas.microsoft.com/office/drawing/2017/decorative" val="1"/>
-              </a:ext>
-            </a:extLst>
-          </p:cNvPr>
-          <p:cNvSpPr>
-            <a:spLocks noGrp="1" noRot="1" noChangeAspect="1" noMove="1" noResize="1" noEditPoints="1" noAdjustHandles="1" noChangeArrowheads="1" noChangeShapeType="1" noTextEdit="1"/>
-          </p:cNvSpPr>
-          <p:nvPr>
-            <p:extLst>
-              <p:ext uri="{386F3935-93C4-4BCD-93E2-E3B085C9AB24}">
-                <p16:designElem xmlns:p16="http://schemas.microsoft.com/office/powerpoint/2015/main" val="1"/>
-              </p:ext>
-            </p:extLst>
-          </p:nvPr>
-        </p:nvSpPr>
-        <p:spPr>
-          <a:xfrm>
-            <a:off x="0" y="0"/>
-            <a:ext cx="12192000" cy="6858000"/>
-          </a:xfrm>
-          <a:prstGeom prst="rect">
-            <a:avLst/>
-          </a:prstGeom>
-          <a:ln>
-            <a:noFill/>
-          </a:ln>
-        </p:spPr>
-        <p:style>
-          <a:lnRef idx="2">
-            <a:schemeClr val="accent1">
-              <a:shade val="50000"/>
-            </a:schemeClr>
-          </a:lnRef>
-          <a:fillRef idx="1003">
-            <a:schemeClr val="dk2"/>
-          </a:fillRef>
-          <a:effectRef idx="0">
-            <a:schemeClr val="accent1"/>
-          </a:effectRef>
-          <a:fontRef idx="minor">
-            <a:schemeClr val="lt1"/>
-          </a:fontRef>
-        </p:style>
-        <p:txBody>
-          <a:bodyPr rtlCol="0" anchor="ctr"/>
-          <a:lstStyle/>
-          <a:p>
-            <a:pPr algn="ctr"/>
-            <a:endParaRPr lang="en-US"/>
-          </a:p>
-        </p:txBody>
-      </p:sp>
       <p:sp>
         <p:nvSpPr>
           <p:cNvPr id="2" name="Title 1">
@@ -7650,358 +7517,6 @@
                 <a:srgbClr val="EBEBEB"/>
               </a:solidFill>
             </a:endParaRPr>
-          </a:p>
-        </p:txBody>
-      </p:sp>
-      <p:sp>
-        <p:nvSpPr>
-          <p:cNvPr id="28" name="Freeform 8">
-            <a:extLst>
-              <a:ext uri="{FF2B5EF4-FFF2-40B4-BE49-F238E27FC236}">
-                <a16:creationId xmlns:a16="http://schemas.microsoft.com/office/drawing/2014/main" id="{36FD4D9D-3784-41E8-8405-A42B72F51331}"/>
-              </a:ext>
-              <a:ext uri="{C183D7F6-B498-43B3-948B-1728B52AA6E4}">
-                <adec:decorative xmlns:adec="http://schemas.microsoft.com/office/drawing/2017/decorative" val="1"/>
-              </a:ext>
-            </a:extLst>
-          </p:cNvPr>
-          <p:cNvSpPr>
-            <a:spLocks noGrp="1" noRot="1" noChangeAspect="1" noMove="1" noResize="1" noEditPoints="1" noAdjustHandles="1" noChangeArrowheads="1" noChangeShapeType="1" noTextEdit="1"/>
-          </p:cNvSpPr>
-          <p:nvPr>
-            <p:extLst>
-              <p:ext uri="{386F3935-93C4-4BCD-93E2-E3B085C9AB24}">
-                <p16:designElem xmlns:p16="http://schemas.microsoft.com/office/powerpoint/2015/main" val="1"/>
-              </p:ext>
-            </p:extLst>
-          </p:nvPr>
-        </p:nvSpPr>
-        <p:spPr>
-          <a:xfrm flipH="1">
-            <a:off x="4135692" y="-1"/>
-            <a:ext cx="559472" cy="3709642"/>
-          </a:xfrm>
-          <a:custGeom>
-            <a:avLst/>
-            <a:gdLst>
-              <a:gd name="connsiteX0" fmla="*/ 0 w 559472"/>
-              <a:gd name="connsiteY0" fmla="*/ 0 h 3709642"/>
-              <a:gd name="connsiteX1" fmla="*/ 473952 w 559472"/>
-              <a:gd name="connsiteY1" fmla="*/ 0 h 3709642"/>
-              <a:gd name="connsiteX2" fmla="*/ 485840 w 559472"/>
-              <a:gd name="connsiteY2" fmla="*/ 161194 h 3709642"/>
-              <a:gd name="connsiteX3" fmla="*/ 523949 w 559472"/>
-              <a:gd name="connsiteY3" fmla="*/ 3672197 h 3709642"/>
-              <a:gd name="connsiteX4" fmla="*/ 454748 w 559472"/>
-              <a:gd name="connsiteY4" fmla="*/ 3709642 h 3709642"/>
-              <a:gd name="connsiteX5" fmla="*/ 448224 w 559472"/>
-              <a:gd name="connsiteY5" fmla="*/ 3510471 h 3709642"/>
-              <a:gd name="connsiteX6" fmla="*/ 443564 w 559472"/>
-              <a:gd name="connsiteY6" fmla="*/ 3408563 h 3709642"/>
-              <a:gd name="connsiteX7" fmla="*/ 438902 w 559472"/>
-              <a:gd name="connsiteY7" fmla="*/ 3304407 h 3709642"/>
-              <a:gd name="connsiteX8" fmla="*/ 433941 w 559472"/>
-              <a:gd name="connsiteY8" fmla="*/ 3198777 h 3709642"/>
-              <a:gd name="connsiteX9" fmla="*/ 427584 w 559472"/>
-              <a:gd name="connsiteY9" fmla="*/ 3092510 h 3709642"/>
-              <a:gd name="connsiteX10" fmla="*/ 420988 w 559472"/>
-              <a:gd name="connsiteY10" fmla="*/ 2984390 h 3709642"/>
-              <a:gd name="connsiteX11" fmla="*/ 414330 w 559472"/>
-              <a:gd name="connsiteY11" fmla="*/ 2874401 h 3709642"/>
-              <a:gd name="connsiteX12" fmla="*/ 406840 w 559472"/>
-              <a:gd name="connsiteY12" fmla="*/ 2762980 h 3709642"/>
-              <a:gd name="connsiteX13" fmla="*/ 397745 w 559472"/>
-              <a:gd name="connsiteY13" fmla="*/ 2650566 h 3709642"/>
-              <a:gd name="connsiteX14" fmla="*/ 389154 w 559472"/>
-              <a:gd name="connsiteY14" fmla="*/ 2536612 h 3709642"/>
-              <a:gd name="connsiteX15" fmla="*/ 379225 w 559472"/>
-              <a:gd name="connsiteY15" fmla="*/ 2421642 h 3709642"/>
-              <a:gd name="connsiteX16" fmla="*/ 368316 w 559472"/>
-              <a:gd name="connsiteY16" fmla="*/ 2305627 h 3709642"/>
-              <a:gd name="connsiteX17" fmla="*/ 357466 w 559472"/>
-              <a:gd name="connsiteY17" fmla="*/ 2189233 h 3709642"/>
-              <a:gd name="connsiteX18" fmla="*/ 344982 w 559472"/>
-              <a:gd name="connsiteY18" fmla="*/ 2071473 h 3709642"/>
-              <a:gd name="connsiteX19" fmla="*/ 332466 w 559472"/>
-              <a:gd name="connsiteY19" fmla="*/ 1952216 h 3709642"/>
-              <a:gd name="connsiteX20" fmla="*/ 319121 w 559472"/>
-              <a:gd name="connsiteY20" fmla="*/ 1833776 h 3709642"/>
-              <a:gd name="connsiteX21" fmla="*/ 304408 w 559472"/>
-              <a:gd name="connsiteY21" fmla="*/ 1713948 h 3709642"/>
-              <a:gd name="connsiteX22" fmla="*/ 288685 w 559472"/>
-              <a:gd name="connsiteY22" fmla="*/ 1592703 h 3709642"/>
-              <a:gd name="connsiteX23" fmla="*/ 273050 w 559472"/>
-              <a:gd name="connsiteY23" fmla="*/ 1471451 h 3709642"/>
-              <a:gd name="connsiteX24" fmla="*/ 255813 w 559472"/>
-              <a:gd name="connsiteY24" fmla="*/ 1350328 h 3709642"/>
-              <a:gd name="connsiteX25" fmla="*/ 237060 w 559472"/>
-              <a:gd name="connsiteY25" fmla="*/ 1227080 h 3709642"/>
-              <a:gd name="connsiteX26" fmla="*/ 218488 w 559472"/>
-              <a:gd name="connsiteY26" fmla="*/ 1106065 h 3709642"/>
-              <a:gd name="connsiteX27" fmla="*/ 198221 w 559472"/>
-              <a:gd name="connsiteY27" fmla="*/ 982940 h 3709642"/>
-              <a:gd name="connsiteX28" fmla="*/ 177152 w 559472"/>
-              <a:gd name="connsiteY28" fmla="*/ 858755 h 3709642"/>
-              <a:gd name="connsiteX29" fmla="*/ 155551 w 559472"/>
-              <a:gd name="connsiteY29" fmla="*/ 736861 h 3709642"/>
-              <a:gd name="connsiteX30" fmla="*/ 131782 w 559472"/>
-              <a:gd name="connsiteY30" fmla="*/ 613645 h 3709642"/>
-              <a:gd name="connsiteX31" fmla="*/ 107123 w 559472"/>
-              <a:gd name="connsiteY31" fmla="*/ 490500 h 3709642"/>
-              <a:gd name="connsiteX32" fmla="*/ 82552 w 559472"/>
-              <a:gd name="connsiteY32" fmla="*/ 367348 h 3709642"/>
-              <a:gd name="connsiteX33" fmla="*/ 55608 w 559472"/>
-              <a:gd name="connsiteY33" fmla="*/ 244762 h 3709642"/>
-              <a:gd name="connsiteX34" fmla="*/ 28130 w 559472"/>
-              <a:gd name="connsiteY34" fmla="*/ 122220 h 3709642"/>
-              <a:gd name="connsiteX35" fmla="*/ 0 w 559472"/>
-              <a:gd name="connsiteY35" fmla="*/ 0 h 3709642"/>
-            </a:gdLst>
-            <a:ahLst/>
-            <a:cxnLst>
-              <a:cxn ang="0">
-                <a:pos x="connsiteX0" y="connsiteY0"/>
-              </a:cxn>
-              <a:cxn ang="0">
-                <a:pos x="connsiteX1" y="connsiteY1"/>
-              </a:cxn>
-              <a:cxn ang="0">
-                <a:pos x="connsiteX2" y="connsiteY2"/>
-              </a:cxn>
-              <a:cxn ang="0">
-                <a:pos x="connsiteX3" y="connsiteY3"/>
-              </a:cxn>
-              <a:cxn ang="0">
-                <a:pos x="connsiteX4" y="connsiteY4"/>
-              </a:cxn>
-              <a:cxn ang="0">
-                <a:pos x="connsiteX5" y="connsiteY5"/>
-              </a:cxn>
-              <a:cxn ang="0">
-                <a:pos x="connsiteX6" y="connsiteY6"/>
-              </a:cxn>
-              <a:cxn ang="0">
-                <a:pos x="connsiteX7" y="connsiteY7"/>
-              </a:cxn>
-              <a:cxn ang="0">
-                <a:pos x="connsiteX8" y="connsiteY8"/>
-              </a:cxn>
-              <a:cxn ang="0">
-                <a:pos x="connsiteX9" y="connsiteY9"/>
-              </a:cxn>
-              <a:cxn ang="0">
-                <a:pos x="connsiteX10" y="connsiteY10"/>
-              </a:cxn>
-              <a:cxn ang="0">
-                <a:pos x="connsiteX11" y="connsiteY11"/>
-              </a:cxn>
-              <a:cxn ang="0">
-                <a:pos x="connsiteX12" y="connsiteY12"/>
-              </a:cxn>
-              <a:cxn ang="0">
-                <a:pos x="connsiteX13" y="connsiteY13"/>
-              </a:cxn>
-              <a:cxn ang="0">
-                <a:pos x="connsiteX14" y="connsiteY14"/>
-              </a:cxn>
-              <a:cxn ang="0">
-                <a:pos x="connsiteX15" y="connsiteY15"/>
-              </a:cxn>
-              <a:cxn ang="0">
-                <a:pos x="connsiteX16" y="connsiteY16"/>
-              </a:cxn>
-              <a:cxn ang="0">
-                <a:pos x="connsiteX17" y="connsiteY17"/>
-              </a:cxn>
-              <a:cxn ang="0">
-                <a:pos x="connsiteX18" y="connsiteY18"/>
-              </a:cxn>
-              <a:cxn ang="0">
-                <a:pos x="connsiteX19" y="connsiteY19"/>
-              </a:cxn>
-              <a:cxn ang="0">
-                <a:pos x="connsiteX20" y="connsiteY20"/>
-              </a:cxn>
-              <a:cxn ang="0">
-                <a:pos x="connsiteX21" y="connsiteY21"/>
-              </a:cxn>
-              <a:cxn ang="0">
-                <a:pos x="connsiteX22" y="connsiteY22"/>
-              </a:cxn>
-              <a:cxn ang="0">
-                <a:pos x="connsiteX23" y="connsiteY23"/>
-              </a:cxn>
-              <a:cxn ang="0">
-                <a:pos x="connsiteX24" y="connsiteY24"/>
-              </a:cxn>
-              <a:cxn ang="0">
-                <a:pos x="connsiteX25" y="connsiteY25"/>
-              </a:cxn>
-              <a:cxn ang="0">
-                <a:pos x="connsiteX26" y="connsiteY26"/>
-              </a:cxn>
-              <a:cxn ang="0">
-                <a:pos x="connsiteX27" y="connsiteY27"/>
-              </a:cxn>
-              <a:cxn ang="0">
-                <a:pos x="connsiteX28" y="connsiteY28"/>
-              </a:cxn>
-              <a:cxn ang="0">
-                <a:pos x="connsiteX29" y="connsiteY29"/>
-              </a:cxn>
-              <a:cxn ang="0">
-                <a:pos x="connsiteX30" y="connsiteY30"/>
-              </a:cxn>
-              <a:cxn ang="0">
-                <a:pos x="connsiteX31" y="connsiteY31"/>
-              </a:cxn>
-              <a:cxn ang="0">
-                <a:pos x="connsiteX32" y="connsiteY32"/>
-              </a:cxn>
-              <a:cxn ang="0">
-                <a:pos x="connsiteX33" y="connsiteY33"/>
-              </a:cxn>
-              <a:cxn ang="0">
-                <a:pos x="connsiteX34" y="connsiteY34"/>
-              </a:cxn>
-              <a:cxn ang="0">
-                <a:pos x="connsiteX35" y="connsiteY35"/>
-              </a:cxn>
-            </a:cxnLst>
-            <a:rect l="l" t="t" r="r" b="b"/>
-            <a:pathLst>
-              <a:path w="559472" h="3709642">
-                <a:moveTo>
-                  <a:pt x="0" y="0"/>
-                </a:moveTo>
-                <a:lnTo>
-                  <a:pt x="473952" y="0"/>
-                </a:lnTo>
-                <a:lnTo>
-                  <a:pt x="485840" y="161194"/>
-                </a:lnTo>
-                <a:cubicBezTo>
-                  <a:pt x="552063" y="1147770"/>
-                  <a:pt x="592441" y="3086737"/>
-                  <a:pt x="523949" y="3672197"/>
-                </a:cubicBezTo>
-                <a:cubicBezTo>
-                  <a:pt x="500842" y="3684557"/>
-                  <a:pt x="477855" y="3697282"/>
-                  <a:pt x="454748" y="3709642"/>
-                </a:cubicBezTo>
-                <a:lnTo>
-                  <a:pt x="448224" y="3510471"/>
-                </a:lnTo>
-                <a:lnTo>
-                  <a:pt x="443564" y="3408563"/>
-                </a:lnTo>
-                <a:lnTo>
-                  <a:pt x="438902" y="3304407"/>
-                </a:lnTo>
-                <a:lnTo>
-                  <a:pt x="433941" y="3198777"/>
-                </a:lnTo>
-                <a:lnTo>
-                  <a:pt x="427584" y="3092510"/>
-                </a:lnTo>
-                <a:lnTo>
-                  <a:pt x="420988" y="2984390"/>
-                </a:lnTo>
-                <a:lnTo>
-                  <a:pt x="414330" y="2874401"/>
-                </a:lnTo>
-                <a:lnTo>
-                  <a:pt x="406840" y="2762980"/>
-                </a:lnTo>
-                <a:lnTo>
-                  <a:pt x="397745" y="2650566"/>
-                </a:lnTo>
-                <a:lnTo>
-                  <a:pt x="389154" y="2536612"/>
-                </a:lnTo>
-                <a:lnTo>
-                  <a:pt x="379225" y="2421642"/>
-                </a:lnTo>
-                <a:lnTo>
-                  <a:pt x="368316" y="2305627"/>
-                </a:lnTo>
-                <a:lnTo>
-                  <a:pt x="357466" y="2189233"/>
-                </a:lnTo>
-                <a:lnTo>
-                  <a:pt x="344982" y="2071473"/>
-                </a:lnTo>
-                <a:lnTo>
-                  <a:pt x="332466" y="1952216"/>
-                </a:lnTo>
-                <a:lnTo>
-                  <a:pt x="319121" y="1833776"/>
-                </a:lnTo>
-                <a:lnTo>
-                  <a:pt x="304408" y="1713948"/>
-                </a:lnTo>
-                <a:lnTo>
-                  <a:pt x="288685" y="1592703"/>
-                </a:lnTo>
-                <a:lnTo>
-                  <a:pt x="273050" y="1471451"/>
-                </a:lnTo>
-                <a:lnTo>
-                  <a:pt x="255813" y="1350328"/>
-                </a:lnTo>
-                <a:lnTo>
-                  <a:pt x="237060" y="1227080"/>
-                </a:lnTo>
-                <a:lnTo>
-                  <a:pt x="218488" y="1106065"/>
-                </a:lnTo>
-                <a:lnTo>
-                  <a:pt x="198221" y="982940"/>
-                </a:lnTo>
-                <a:lnTo>
-                  <a:pt x="177152" y="858755"/>
-                </a:lnTo>
-                <a:lnTo>
-                  <a:pt x="155551" y="736861"/>
-                </a:lnTo>
-                <a:lnTo>
-                  <a:pt x="131782" y="613645"/>
-                </a:lnTo>
-                <a:lnTo>
-                  <a:pt x="107123" y="490500"/>
-                </a:lnTo>
-                <a:lnTo>
-                  <a:pt x="82552" y="367348"/>
-                </a:lnTo>
-                <a:lnTo>
-                  <a:pt x="55608" y="244762"/>
-                </a:lnTo>
-                <a:lnTo>
-                  <a:pt x="28130" y="122220"/>
-                </a:lnTo>
-                <a:lnTo>
-                  <a:pt x="0" y="0"/>
-                </a:lnTo>
-                <a:close/>
-              </a:path>
-            </a:pathLst>
-          </a:custGeom>
-          <a:solidFill>
-            <a:schemeClr val="tx1">
-              <a:alpha val="20000"/>
-            </a:schemeClr>
-          </a:solidFill>
-          <a:ln>
-            <a:noFill/>
-          </a:ln>
-        </p:spPr>
-        <p:txBody>
-          <a:bodyPr rtlCol="0" anchor="ctr"/>
-          <a:lstStyle/>
-          <a:p>
-            <a:pPr algn="ctr"/>
-            <a:endParaRPr lang="en-US"/>
           </a:p>
         </p:txBody>
       </p:sp>
@@ -8020,7 +7535,7 @@
           <p:nvPr/>
         </p:nvPicPr>
         <p:blipFill>
-          <a:blip r:embed="rId7">
+          <a:blip r:embed="rId3">
             <a:extLst>
               <a:ext uri="{28A0092B-C50C-407E-A947-70E740481C1C}">
                 <a14:useLocalDpi xmlns:a14="http://schemas.microsoft.com/office/drawing/2010/main" val="0"/>
@@ -8201,66 +7716,6 @@
           </a:custGeom>
         </p:spPr>
       </p:pic>
-      <p:sp>
-        <p:nvSpPr>
-          <p:cNvPr id="30" name="Rectangle 29">
-            <a:extLst>
-              <a:ext uri="{FF2B5EF4-FFF2-40B4-BE49-F238E27FC236}">
-                <a16:creationId xmlns:a16="http://schemas.microsoft.com/office/drawing/2014/main" id="{60817A52-B891-4228-A61E-0C0A57632DDA}"/>
-              </a:ext>
-              <a:ext uri="{C183D7F6-B498-43B3-948B-1728B52AA6E4}">
-                <adec:decorative xmlns:adec="http://schemas.microsoft.com/office/drawing/2017/decorative" val="1"/>
-              </a:ext>
-            </a:extLst>
-          </p:cNvPr>
-          <p:cNvSpPr>
-            <a:spLocks noGrp="1" noRot="1" noChangeAspect="1" noMove="1" noResize="1" noEditPoints="1" noAdjustHandles="1" noChangeArrowheads="1" noChangeShapeType="1" noTextEdit="1"/>
-          </p:cNvSpPr>
-          <p:nvPr>
-            <p:extLst>
-              <p:ext uri="{386F3935-93C4-4BCD-93E2-E3B085C9AB24}">
-                <p16:designElem xmlns:p16="http://schemas.microsoft.com/office/powerpoint/2015/main" val="1"/>
-              </p:ext>
-            </p:extLst>
-          </p:nvPr>
-        </p:nvSpPr>
-        <p:spPr>
-          <a:xfrm>
-            <a:off x="10437812" y="0"/>
-            <a:ext cx="685800" cy="1143000"/>
-          </a:xfrm>
-          <a:prstGeom prst="rect">
-            <a:avLst/>
-          </a:prstGeom>
-          <a:solidFill>
-            <a:schemeClr val="accent1"/>
-          </a:solidFill>
-          <a:ln>
-            <a:noFill/>
-          </a:ln>
-        </p:spPr>
-        <p:style>
-          <a:lnRef idx="1">
-            <a:schemeClr val="accent1"/>
-          </a:lnRef>
-          <a:fillRef idx="3">
-            <a:schemeClr val="accent1"/>
-          </a:fillRef>
-          <a:effectRef idx="2">
-            <a:schemeClr val="accent1"/>
-          </a:effectRef>
-          <a:fontRef idx="minor">
-            <a:schemeClr val="lt1"/>
-          </a:fontRef>
-        </p:style>
-        <p:txBody>
-          <a:bodyPr/>
-          <a:lstStyle/>
-          <a:p>
-            <a:endParaRPr lang="en-GB"/>
-          </a:p>
-        </p:txBody>
-      </p:sp>
     </p:spTree>
     <p:extLst>
       <p:ext uri="{BB962C8B-B14F-4D97-AF65-F5344CB8AC3E}">
@@ -8407,329 +7862,6 @@
           <a:chExt cx="0" cy="0"/>
         </a:xfrm>
       </p:grpSpPr>
-      <p:pic>
-        <p:nvPicPr>
-          <p:cNvPr id="83" name="Picture 82">
-            <a:extLst>
-              <a:ext uri="{FF2B5EF4-FFF2-40B4-BE49-F238E27FC236}">
-                <a16:creationId xmlns:a16="http://schemas.microsoft.com/office/drawing/2014/main" id="{BD310164-D3A3-415E-9D94-5D21D9FB2F6C}"/>
-              </a:ext>
-              <a:ext uri="{C183D7F6-B498-43B3-948B-1728B52AA6E4}">
-                <adec:decorative xmlns:adec="http://schemas.microsoft.com/office/drawing/2017/decorative" val="1"/>
-              </a:ext>
-            </a:extLst>
-          </p:cNvPr>
-          <p:cNvPicPr>
-            <a:picLocks noGrp="1" noRot="1" noChangeAspect="1" noMove="1" noResize="1" noEditPoints="1" noAdjustHandles="1" noChangeArrowheads="1" noChangeShapeType="1" noCrop="1"/>
-          </p:cNvPicPr>
-          <p:nvPr>
-            <p:extLst>
-              <p:ext uri="{386F3935-93C4-4BCD-93E2-E3B085C9AB24}">
-                <p16:designElem xmlns:p16="http://schemas.microsoft.com/office/powerpoint/2015/main" val="1"/>
-              </p:ext>
-            </p:extLst>
-          </p:nvPr>
-        </p:nvPicPr>
-        <p:blipFill rotWithShape="1">
-          <a:blip r:embed="rId3">
-            <a:extLst>
-              <a:ext uri="{28A0092B-C50C-407E-A947-70E740481C1C}">
-                <a14:useLocalDpi xmlns:a14="http://schemas.microsoft.com/office/drawing/2010/main" val="0"/>
-              </a:ext>
-            </a:extLst>
-          </a:blip>
-          <a:srcRect l="3613"/>
-          <a:stretch/>
-        </p:blipFill>
-        <p:spPr>
-          <a:xfrm>
-            <a:off x="0" y="2669685"/>
-            <a:ext cx="4037012" cy="4188315"/>
-          </a:xfrm>
-          <a:prstGeom prst="rect">
-            <a:avLst/>
-          </a:prstGeom>
-        </p:spPr>
-      </p:pic>
-      <p:pic>
-        <p:nvPicPr>
-          <p:cNvPr id="85" name="Picture 84">
-            <a:extLst>
-              <a:ext uri="{FF2B5EF4-FFF2-40B4-BE49-F238E27FC236}">
-                <a16:creationId xmlns:a16="http://schemas.microsoft.com/office/drawing/2014/main" id="{BE586E08-18BF-4AB1-AB48-4005D567343E}"/>
-              </a:ext>
-              <a:ext uri="{C183D7F6-B498-43B3-948B-1728B52AA6E4}">
-                <adec:decorative xmlns:adec="http://schemas.microsoft.com/office/drawing/2017/decorative" val="1"/>
-              </a:ext>
-            </a:extLst>
-          </p:cNvPr>
-          <p:cNvPicPr>
-            <a:picLocks noGrp="1" noRot="1" noChangeAspect="1" noMove="1" noResize="1" noEditPoints="1" noAdjustHandles="1" noChangeArrowheads="1" noChangeShapeType="1" noCrop="1"/>
-          </p:cNvPicPr>
-          <p:nvPr>
-            <p:extLst>
-              <p:ext uri="{386F3935-93C4-4BCD-93E2-E3B085C9AB24}">
-                <p16:designElem xmlns:p16="http://schemas.microsoft.com/office/powerpoint/2015/main" val="1"/>
-              </p:ext>
-            </p:extLst>
-          </p:nvPr>
-        </p:nvPicPr>
-        <p:blipFill rotWithShape="1">
-          <a:blip r:embed="rId4">
-            <a:extLst>
-              <a:ext uri="{28A0092B-C50C-407E-A947-70E740481C1C}">
-                <a14:useLocalDpi xmlns:a14="http://schemas.microsoft.com/office/drawing/2010/main" val="0"/>
-              </a:ext>
-            </a:extLst>
-          </a:blip>
-          <a:srcRect l="35640"/>
-          <a:stretch/>
-        </p:blipFill>
-        <p:spPr>
-          <a:xfrm>
-            <a:off x="0" y="2892347"/>
-            <a:ext cx="1522412" cy="2365453"/>
-          </a:xfrm>
-          <a:prstGeom prst="rect">
-            <a:avLst/>
-          </a:prstGeom>
-        </p:spPr>
-      </p:pic>
-      <p:sp>
-        <p:nvSpPr>
-          <p:cNvPr id="87" name="Oval 86">
-            <a:extLst>
-              <a:ext uri="{FF2B5EF4-FFF2-40B4-BE49-F238E27FC236}">
-                <a16:creationId xmlns:a16="http://schemas.microsoft.com/office/drawing/2014/main" id="{4A497DBC-2692-42B4-A606-31024033F7C0}"/>
-              </a:ext>
-              <a:ext uri="{C183D7F6-B498-43B3-948B-1728B52AA6E4}">
-                <adec:decorative xmlns:adec="http://schemas.microsoft.com/office/drawing/2017/decorative" val="1"/>
-              </a:ext>
-            </a:extLst>
-          </p:cNvPr>
-          <p:cNvSpPr>
-            <a:spLocks noGrp="1" noRot="1" noChangeAspect="1" noMove="1" noResize="1" noEditPoints="1" noAdjustHandles="1" noChangeArrowheads="1" noChangeShapeType="1" noTextEdit="1"/>
-          </p:cNvSpPr>
-          <p:nvPr>
-            <p:extLst>
-              <p:ext uri="{386F3935-93C4-4BCD-93E2-E3B085C9AB24}">
-                <p16:designElem xmlns:p16="http://schemas.microsoft.com/office/powerpoint/2015/main" val="1"/>
-              </p:ext>
-            </p:extLst>
-          </p:nvPr>
-        </p:nvSpPr>
-        <p:spPr>
-          <a:xfrm>
-            <a:off x="8609012" y="1676400"/>
-            <a:ext cx="2819400" cy="2819400"/>
-          </a:xfrm>
-          <a:prstGeom prst="ellipse">
-            <a:avLst/>
-          </a:prstGeom>
-          <a:gradFill flip="none" rotWithShape="1">
-            <a:gsLst>
-              <a:gs pos="0">
-                <a:schemeClr val="bg2">
-                  <a:lumMod val="60000"/>
-                  <a:lumOff val="40000"/>
-                  <a:alpha val="7000"/>
-                </a:schemeClr>
-              </a:gs>
-              <a:gs pos="69000">
-                <a:schemeClr val="bg2">
-                  <a:lumMod val="60000"/>
-                  <a:lumOff val="40000"/>
-                  <a:alpha val="0"/>
-                </a:schemeClr>
-              </a:gs>
-              <a:gs pos="36000">
-                <a:schemeClr val="bg2">
-                  <a:lumMod val="60000"/>
-                  <a:lumOff val="40000"/>
-                  <a:alpha val="6000"/>
-                </a:schemeClr>
-              </a:gs>
-            </a:gsLst>
-            <a:path path="circle">
-              <a:fillToRect l="50000" t="50000" r="50000" b="50000"/>
-            </a:path>
-            <a:tileRect/>
-          </a:gradFill>
-          <a:ln>
-            <a:noFill/>
-          </a:ln>
-          <a:effectLst/>
-        </p:spPr>
-        <p:style>
-          <a:lnRef idx="1">
-            <a:schemeClr val="accent1"/>
-          </a:lnRef>
-          <a:fillRef idx="3">
-            <a:schemeClr val="accent1"/>
-          </a:fillRef>
-          <a:effectRef idx="2">
-            <a:schemeClr val="accent1"/>
-          </a:effectRef>
-          <a:fontRef idx="minor">
-            <a:schemeClr val="lt1"/>
-          </a:fontRef>
-        </p:style>
-        <p:txBody>
-          <a:bodyPr/>
-          <a:lstStyle/>
-          <a:p>
-            <a:endParaRPr lang="en-GB"/>
-          </a:p>
-        </p:txBody>
-      </p:sp>
-      <p:pic>
-        <p:nvPicPr>
-          <p:cNvPr id="89" name="Picture 88">
-            <a:extLst>
-              <a:ext uri="{FF2B5EF4-FFF2-40B4-BE49-F238E27FC236}">
-                <a16:creationId xmlns:a16="http://schemas.microsoft.com/office/drawing/2014/main" id="{3517A192-66A9-4297-9284-65580829ABF1}"/>
-              </a:ext>
-              <a:ext uri="{C183D7F6-B498-43B3-948B-1728B52AA6E4}">
-                <adec:decorative xmlns:adec="http://schemas.microsoft.com/office/drawing/2017/decorative" val="1"/>
-              </a:ext>
-            </a:extLst>
-          </p:cNvPr>
-          <p:cNvPicPr>
-            <a:picLocks noGrp="1" noRot="1" noChangeAspect="1" noMove="1" noResize="1" noEditPoints="1" noAdjustHandles="1" noChangeArrowheads="1" noChangeShapeType="1" noCrop="1"/>
-          </p:cNvPicPr>
-          <p:nvPr>
-            <p:extLst>
-              <p:ext uri="{386F3935-93C4-4BCD-93E2-E3B085C9AB24}">
-                <p16:designElem xmlns:p16="http://schemas.microsoft.com/office/powerpoint/2015/main" val="1"/>
-              </p:ext>
-            </p:extLst>
-          </p:nvPr>
-        </p:nvPicPr>
-        <p:blipFill rotWithShape="1">
-          <a:blip r:embed="rId5">
-            <a:extLst>
-              <a:ext uri="{28A0092B-C50C-407E-A947-70E740481C1C}">
-                <a14:useLocalDpi xmlns:a14="http://schemas.microsoft.com/office/drawing/2010/main" val="0"/>
-              </a:ext>
-            </a:extLst>
-          </a:blip>
-          <a:srcRect t="28813"/>
-          <a:stretch/>
-        </p:blipFill>
-        <p:spPr>
-          <a:xfrm>
-            <a:off x="7999412" y="0"/>
-            <a:ext cx="1603387" cy="1141407"/>
-          </a:xfrm>
-          <a:prstGeom prst="rect">
-            <a:avLst/>
-          </a:prstGeom>
-        </p:spPr>
-      </p:pic>
-      <p:pic>
-        <p:nvPicPr>
-          <p:cNvPr id="91" name="Picture 90">
-            <a:extLst>
-              <a:ext uri="{FF2B5EF4-FFF2-40B4-BE49-F238E27FC236}">
-                <a16:creationId xmlns:a16="http://schemas.microsoft.com/office/drawing/2014/main" id="{130825ED-0133-430D-BBBB-50B6F5228448}"/>
-              </a:ext>
-              <a:ext uri="{C183D7F6-B498-43B3-948B-1728B52AA6E4}">
-                <adec:decorative xmlns:adec="http://schemas.microsoft.com/office/drawing/2017/decorative" val="1"/>
-              </a:ext>
-            </a:extLst>
-          </p:cNvPr>
-          <p:cNvPicPr>
-            <a:picLocks noGrp="1" noRot="1" noChangeAspect="1" noMove="1" noResize="1" noEditPoints="1" noAdjustHandles="1" noChangeArrowheads="1" noChangeShapeType="1" noCrop="1"/>
-          </p:cNvPicPr>
-          <p:nvPr>
-            <p:extLst>
-              <p:ext uri="{386F3935-93C4-4BCD-93E2-E3B085C9AB24}">
-                <p16:designElem xmlns:p16="http://schemas.microsoft.com/office/powerpoint/2015/main" val="1"/>
-              </p:ext>
-            </p:extLst>
-          </p:nvPr>
-        </p:nvPicPr>
-        <p:blipFill rotWithShape="1">
-          <a:blip r:embed="rId6">
-            <a:extLst>
-              <a:ext uri="{28A0092B-C50C-407E-A947-70E740481C1C}">
-                <a14:useLocalDpi xmlns:a14="http://schemas.microsoft.com/office/drawing/2010/main" val="0"/>
-              </a:ext>
-            </a:extLst>
-          </a:blip>
-          <a:srcRect b="23320"/>
-          <a:stretch/>
-        </p:blipFill>
-        <p:spPr>
-          <a:xfrm>
-            <a:off x="8605878" y="6096000"/>
-            <a:ext cx="993734" cy="762000"/>
-          </a:xfrm>
-          <a:prstGeom prst="rect">
-            <a:avLst/>
-          </a:prstGeom>
-        </p:spPr>
-      </p:pic>
-      <p:sp>
-        <p:nvSpPr>
-          <p:cNvPr id="93" name="Rectangle 92">
-            <a:extLst>
-              <a:ext uri="{FF2B5EF4-FFF2-40B4-BE49-F238E27FC236}">
-                <a16:creationId xmlns:a16="http://schemas.microsoft.com/office/drawing/2014/main" id="{633F040E-FA1C-4EDC-B925-7EFCB9582839}"/>
-              </a:ext>
-              <a:ext uri="{C183D7F6-B498-43B3-948B-1728B52AA6E4}">
-                <adec:decorative xmlns:adec="http://schemas.microsoft.com/office/drawing/2017/decorative" val="1"/>
-              </a:ext>
-            </a:extLst>
-          </p:cNvPr>
-          <p:cNvSpPr>
-            <a:spLocks noGrp="1" noRot="1" noChangeAspect="1" noMove="1" noResize="1" noEditPoints="1" noAdjustHandles="1" noChangeArrowheads="1" noChangeShapeType="1" noTextEdit="1"/>
-          </p:cNvSpPr>
-          <p:nvPr>
-            <p:extLst>
-              <p:ext uri="{386F3935-93C4-4BCD-93E2-E3B085C9AB24}">
-                <p16:designElem xmlns:p16="http://schemas.microsoft.com/office/powerpoint/2015/main" val="1"/>
-              </p:ext>
-            </p:extLst>
-          </p:nvPr>
-        </p:nvSpPr>
-        <p:spPr>
-          <a:xfrm>
-            <a:off x="10437812" y="0"/>
-            <a:ext cx="685800" cy="1143000"/>
-          </a:xfrm>
-          <a:prstGeom prst="rect">
-            <a:avLst/>
-          </a:prstGeom>
-          <a:solidFill>
-            <a:schemeClr val="accent1"/>
-          </a:solidFill>
-          <a:ln>
-            <a:noFill/>
-          </a:ln>
-        </p:spPr>
-        <p:style>
-          <a:lnRef idx="1">
-            <a:schemeClr val="accent1"/>
-          </a:lnRef>
-          <a:fillRef idx="3">
-            <a:schemeClr val="accent1"/>
-          </a:fillRef>
-          <a:effectRef idx="2">
-            <a:schemeClr val="accent1"/>
-          </a:effectRef>
-          <a:fontRef idx="minor">
-            <a:schemeClr val="lt1"/>
-          </a:fontRef>
-        </p:style>
-        <p:txBody>
-          <a:bodyPr/>
-          <a:lstStyle/>
-          <a:p>
-            <a:endParaRPr lang="en-GB"/>
-          </a:p>
-        </p:txBody>
-      </p:sp>
       <p:sp>
         <p:nvSpPr>
           <p:cNvPr id="2" name="Title 1">
@@ -8853,69 +7985,6 @@
               <a:rPr lang="en-US" sz="1800" dirty="0"/>
             </a:br>
             <a:endParaRPr lang="en-US" sz="1800" dirty="0"/>
-          </a:p>
-        </p:txBody>
-      </p:sp>
-      <p:sp>
-        <p:nvSpPr>
-          <p:cNvPr id="95" name="Rectangle 94">
-            <a:extLst>
-              <a:ext uri="{FF2B5EF4-FFF2-40B4-BE49-F238E27FC236}">
-                <a16:creationId xmlns:a16="http://schemas.microsoft.com/office/drawing/2014/main" id="{3FDC3884-AF10-42EC-A828-643B6154F9F5}"/>
-              </a:ext>
-              <a:ext uri="{C183D7F6-B498-43B3-948B-1728B52AA6E4}">
-                <adec:decorative xmlns:adec="http://schemas.microsoft.com/office/drawing/2017/decorative" val="1"/>
-              </a:ext>
-            </a:extLst>
-          </p:cNvPr>
-          <p:cNvSpPr>
-            <a:spLocks noGrp="1" noRot="1" noChangeAspect="1" noMove="1" noResize="1" noEditPoints="1" noAdjustHandles="1" noChangeArrowheads="1" noChangeShapeType="1" noTextEdit="1"/>
-          </p:cNvSpPr>
-          <p:nvPr>
-            <p:extLst>
-              <p:ext uri="{386F3935-93C4-4BCD-93E2-E3B085C9AB24}">
-                <p16:designElem xmlns:p16="http://schemas.microsoft.com/office/powerpoint/2015/main" val="1"/>
-              </p:ext>
-            </p:extLst>
-          </p:nvPr>
-        </p:nvSpPr>
-        <p:spPr>
-          <a:xfrm>
-            <a:off x="636914" y="639905"/>
-            <a:ext cx="6915664" cy="5578188"/>
-          </a:xfrm>
-          <a:prstGeom prst="rect">
-            <a:avLst/>
-          </a:prstGeom>
-          <a:solidFill>
-            <a:srgbClr val="FFFFFF"/>
-          </a:solidFill>
-          <a:ln>
-            <a:noFill/>
-          </a:ln>
-        </p:spPr>
-        <p:style>
-          <a:lnRef idx="2">
-            <a:schemeClr val="accent1">
-              <a:shade val="50000"/>
-            </a:schemeClr>
-          </a:lnRef>
-          <a:fillRef idx="1">
-            <a:schemeClr val="accent1"/>
-          </a:fillRef>
-          <a:effectRef idx="0">
-            <a:schemeClr val="accent1"/>
-          </a:effectRef>
-          <a:fontRef idx="minor">
-            <a:schemeClr val="lt1"/>
-          </a:fontRef>
-        </p:style>
-        <p:txBody>
-          <a:bodyPr rtlCol="0" anchor="ctr"/>
-          <a:lstStyle/>
-          <a:p>
-            <a:pPr algn="ctr"/>
-            <a:endParaRPr lang="en-US"/>
           </a:p>
         </p:txBody>
       </p:sp>
@@ -8934,7 +8003,7 @@
           <p:nvPr/>
         </p:nvPicPr>
         <p:blipFill>
-          <a:blip r:embed="rId7">
+          <a:blip r:embed="rId3">
             <a:extLst>
               <a:ext uri="{28A0092B-C50C-407E-A947-70E740481C1C}">
                 <a14:useLocalDpi xmlns:a14="http://schemas.microsoft.com/office/drawing/2010/main" val="0"/>
@@ -8971,7 +8040,7 @@
           <p:nvPr/>
         </p:nvPicPr>
         <p:blipFill>
-          <a:blip r:embed="rId8">
+          <a:blip r:embed="rId4">
             <a:extLst>
               <a:ext uri="{28A0092B-C50C-407E-A947-70E740481C1C}">
                 <a14:useLocalDpi xmlns:a14="http://schemas.microsoft.com/office/drawing/2010/main" val="0"/>
@@ -9008,7 +8077,7 @@
           <p:nvPr/>
         </p:nvPicPr>
         <p:blipFill>
-          <a:blip r:embed="rId9">
+          <a:blip r:embed="rId5">
             <a:extLst>
               <a:ext uri="{28A0092B-C50C-407E-A947-70E740481C1C}">
                 <a14:useLocalDpi xmlns:a14="http://schemas.microsoft.com/office/drawing/2010/main" val="0"/>
@@ -9045,7 +8114,7 @@
           <p:nvPr/>
         </p:nvPicPr>
         <p:blipFill>
-          <a:blip r:embed="rId10">
+          <a:blip r:embed="rId6">
             <a:extLst>
               <a:ext uri="{28A0092B-C50C-407E-A947-70E740481C1C}">
                 <a14:useLocalDpi xmlns:a14="http://schemas.microsoft.com/office/drawing/2010/main" val="0"/>
@@ -9107,1014 +8176,6 @@
       </p:grpSpPr>
       <p:sp>
         <p:nvSpPr>
-          <p:cNvPr id="8" name="Rectangle 7">
-            <a:extLst>
-              <a:ext uri="{FF2B5EF4-FFF2-40B4-BE49-F238E27FC236}">
-                <a16:creationId xmlns:a16="http://schemas.microsoft.com/office/drawing/2014/main" id="{74CD14DB-BB81-479F-A1FC-1C75640E9F84}"/>
-              </a:ext>
-              <a:ext uri="{C183D7F6-B498-43B3-948B-1728B52AA6E4}">
-                <adec:decorative xmlns:adec="http://schemas.microsoft.com/office/drawing/2017/decorative" val="1"/>
-              </a:ext>
-            </a:extLst>
-          </p:cNvPr>
-          <p:cNvSpPr>
-            <a:spLocks noGrp="1" noRot="1" noChangeAspect="1" noMove="1" noResize="1" noEditPoints="1" noAdjustHandles="1" noChangeArrowheads="1" noChangeShapeType="1" noTextEdit="1"/>
-          </p:cNvSpPr>
-          <p:nvPr>
-            <p:extLst>
-              <p:ext uri="{386F3935-93C4-4BCD-93E2-E3B085C9AB24}">
-                <p16:designElem xmlns:p16="http://schemas.microsoft.com/office/powerpoint/2015/main" val="1"/>
-              </p:ext>
-            </p:extLst>
-          </p:nvPr>
-        </p:nvSpPr>
-        <p:spPr>
-          <a:xfrm>
-            <a:off x="0" y="0"/>
-            <a:ext cx="12192000" cy="6858000"/>
-          </a:xfrm>
-          <a:prstGeom prst="rect">
-            <a:avLst/>
-          </a:prstGeom>
-          <a:ln>
-            <a:noFill/>
-          </a:ln>
-        </p:spPr>
-        <p:style>
-          <a:lnRef idx="2">
-            <a:schemeClr val="accent1">
-              <a:shade val="50000"/>
-            </a:schemeClr>
-          </a:lnRef>
-          <a:fillRef idx="1003">
-            <a:schemeClr val="dk2"/>
-          </a:fillRef>
-          <a:effectRef idx="0">
-            <a:schemeClr val="accent1"/>
-          </a:effectRef>
-          <a:fontRef idx="minor">
-            <a:schemeClr val="lt1"/>
-          </a:fontRef>
-        </p:style>
-        <p:txBody>
-          <a:bodyPr rtlCol="0" anchor="ctr"/>
-          <a:lstStyle/>
-          <a:p>
-            <a:pPr marL="0" marR="0" lvl="0" indent="0" algn="ctr" defTabSz="914400" rtl="0" eaLnBrk="1" fontAlgn="auto" latinLnBrk="0" hangingPunct="1">
-              <a:lnSpc>
-                <a:spcPct val="100000"/>
-              </a:lnSpc>
-              <a:spcBef>
-                <a:spcPts val="0"/>
-              </a:spcBef>
-              <a:spcAft>
-                <a:spcPts val="0"/>
-              </a:spcAft>
-              <a:buClrTx/>
-              <a:buSzTx/>
-              <a:buFontTx/>
-              <a:buNone/>
-              <a:tabLst/>
-              <a:defRPr/>
-            </a:pPr>
-            <a:endParaRPr kumimoji="0" lang="en-US" sz="1800" b="0" i="0" u="none" strike="noStrike" kern="1200" cap="none" spc="0" normalizeH="0" baseline="0" noProof="0">
-              <a:ln>
-                <a:noFill/>
-              </a:ln>
-              <a:solidFill>
-                <a:prstClr val="white"/>
-              </a:solidFill>
-              <a:effectLst/>
-              <a:uLnTx/>
-              <a:uFillTx/>
-              <a:latin typeface="Century Gothic" panose="020B0502020202020204"/>
-              <a:ea typeface="+mn-ea"/>
-              <a:cs typeface="+mn-cs"/>
-            </a:endParaRPr>
-          </a:p>
-        </p:txBody>
-      </p:sp>
-      <p:sp>
-        <p:nvSpPr>
-          <p:cNvPr id="10" name="Rectangle 9">
-            <a:extLst>
-              <a:ext uri="{FF2B5EF4-FFF2-40B4-BE49-F238E27FC236}">
-                <a16:creationId xmlns:a16="http://schemas.microsoft.com/office/drawing/2014/main" id="{C943A91B-7CA7-4592-A975-73B1BF8C4C74}"/>
-              </a:ext>
-              <a:ext uri="{C183D7F6-B498-43B3-948B-1728B52AA6E4}">
-                <adec:decorative xmlns:adec="http://schemas.microsoft.com/office/drawing/2017/decorative" val="1"/>
-              </a:ext>
-            </a:extLst>
-          </p:cNvPr>
-          <p:cNvSpPr>
-            <a:spLocks noGrp="1" noRot="1" noChangeAspect="1" noMove="1" noResize="1" noEditPoints="1" noAdjustHandles="1" noChangeArrowheads="1" noChangeShapeType="1" noTextEdit="1"/>
-          </p:cNvSpPr>
-          <p:nvPr>
-            <p:extLst>
-              <p:ext uri="{386F3935-93C4-4BCD-93E2-E3B085C9AB24}">
-                <p16:designElem xmlns:p16="http://schemas.microsoft.com/office/powerpoint/2015/main" val="1"/>
-              </p:ext>
-            </p:extLst>
-          </p:nvPr>
-        </p:nvSpPr>
-        <p:spPr>
-          <a:xfrm>
-            <a:off x="10437812" y="0"/>
-            <a:ext cx="685800" cy="1143000"/>
-          </a:xfrm>
-          <a:prstGeom prst="rect">
-            <a:avLst/>
-          </a:prstGeom>
-          <a:solidFill>
-            <a:schemeClr val="accent1"/>
-          </a:solidFill>
-          <a:ln>
-            <a:noFill/>
-          </a:ln>
-        </p:spPr>
-        <p:style>
-          <a:lnRef idx="1">
-            <a:schemeClr val="accent1"/>
-          </a:lnRef>
-          <a:fillRef idx="3">
-            <a:schemeClr val="accent1"/>
-          </a:fillRef>
-          <a:effectRef idx="2">
-            <a:schemeClr val="accent1"/>
-          </a:effectRef>
-          <a:fontRef idx="minor">
-            <a:schemeClr val="lt1"/>
-          </a:fontRef>
-        </p:style>
-        <p:txBody>
-          <a:bodyPr/>
-          <a:lstStyle/>
-          <a:p>
-            <a:endParaRPr lang="en-GB"/>
-          </a:p>
-        </p:txBody>
-      </p:sp>
-      <p:sp>
-        <p:nvSpPr>
-          <p:cNvPr id="12" name="Freeform 7">
-            <a:extLst>
-              <a:ext uri="{FF2B5EF4-FFF2-40B4-BE49-F238E27FC236}">
-                <a16:creationId xmlns:a16="http://schemas.microsoft.com/office/drawing/2014/main" id="{EC471314-E46A-414B-8D91-74880E84F187}"/>
-              </a:ext>
-              <a:ext uri="{C183D7F6-B498-43B3-948B-1728B52AA6E4}">
-                <adec:decorative xmlns:adec="http://schemas.microsoft.com/office/drawing/2017/decorative" val="1"/>
-              </a:ext>
-            </a:extLst>
-          </p:cNvPr>
-          <p:cNvSpPr>
-            <a:spLocks noGrp="1" noRot="1" noChangeAspect="1" noMove="1" noResize="1" noEditPoints="1" noAdjustHandles="1" noChangeArrowheads="1" noChangeShapeType="1" noTextEdit="1"/>
-          </p:cNvSpPr>
-          <p:nvPr>
-            <p:extLst>
-              <p:ext uri="{386F3935-93C4-4BCD-93E2-E3B085C9AB24}">
-                <p16:designElem xmlns:p16="http://schemas.microsoft.com/office/powerpoint/2015/main" val="1"/>
-              </p:ext>
-            </p:extLst>
-          </p:nvPr>
-        </p:nvSpPr>
-        <p:spPr>
-          <a:xfrm>
-            <a:off x="8719939" y="1460230"/>
-            <a:ext cx="3472060" cy="825932"/>
-          </a:xfrm>
-          <a:custGeom>
-            <a:avLst/>
-            <a:gdLst>
-              <a:gd name="connsiteX0" fmla="*/ 3470310 w 3472060"/>
-              <a:gd name="connsiteY0" fmla="*/ 0 h 825932"/>
-              <a:gd name="connsiteX1" fmla="*/ 3472060 w 3472060"/>
-              <a:gd name="connsiteY1" fmla="*/ 12850 h 825932"/>
-              <a:gd name="connsiteX2" fmla="*/ 3472060 w 3472060"/>
-              <a:gd name="connsiteY2" fmla="*/ 480529 h 825932"/>
-              <a:gd name="connsiteX3" fmla="*/ 3363699 w 3472060"/>
-              <a:gd name="connsiteY3" fmla="*/ 498471 h 825932"/>
-              <a:gd name="connsiteX4" fmla="*/ 42060 w 3472060"/>
-              <a:gd name="connsiteY4" fmla="*/ 824486 h 825932"/>
-              <a:gd name="connsiteX5" fmla="*/ 0 w 3472060"/>
-              <a:gd name="connsiteY5" fmla="*/ 758452 h 825932"/>
-              <a:gd name="connsiteX6" fmla="*/ 188014 w 3472060"/>
-              <a:gd name="connsiteY6" fmla="*/ 735602 h 825932"/>
-              <a:gd name="connsiteX7" fmla="*/ 284087 w 3472060"/>
-              <a:gd name="connsiteY7" fmla="*/ 722590 h 825932"/>
-              <a:gd name="connsiteX8" fmla="*/ 382288 w 3472060"/>
-              <a:gd name="connsiteY8" fmla="*/ 709392 h 825932"/>
-              <a:gd name="connsiteX9" fmla="*/ 481858 w 3472060"/>
-              <a:gd name="connsiteY9" fmla="*/ 695774 h 825932"/>
-              <a:gd name="connsiteX10" fmla="*/ 581897 w 3472060"/>
-              <a:gd name="connsiteY10" fmla="*/ 680711 h 825932"/>
-              <a:gd name="connsiteX11" fmla="*/ 683670 w 3472060"/>
-              <a:gd name="connsiteY11" fmla="*/ 665256 h 825932"/>
-              <a:gd name="connsiteX12" fmla="*/ 787206 w 3472060"/>
-              <a:gd name="connsiteY12" fmla="*/ 649587 h 825932"/>
-              <a:gd name="connsiteX13" fmla="*/ 892019 w 3472060"/>
-              <a:gd name="connsiteY13" fmla="*/ 632968 h 825932"/>
-              <a:gd name="connsiteX14" fmla="*/ 997620 w 3472060"/>
-              <a:gd name="connsiteY14" fmla="*/ 614667 h 825932"/>
-              <a:gd name="connsiteX15" fmla="*/ 1104727 w 3472060"/>
-              <a:gd name="connsiteY15" fmla="*/ 596741 h 825932"/>
-              <a:gd name="connsiteX16" fmla="*/ 1212669 w 3472060"/>
-              <a:gd name="connsiteY16" fmla="*/ 577397 h 825932"/>
-              <a:gd name="connsiteX17" fmla="*/ 1321506 w 3472060"/>
-              <a:gd name="connsiteY17" fmla="*/ 556988 h 825932"/>
-              <a:gd name="connsiteX18" fmla="*/ 1430709 w 3472060"/>
-              <a:gd name="connsiteY18" fmla="*/ 536607 h 825932"/>
-              <a:gd name="connsiteX19" fmla="*/ 1541050 w 3472060"/>
-              <a:gd name="connsiteY19" fmla="*/ 514481 h 825932"/>
-              <a:gd name="connsiteX20" fmla="*/ 1652805 w 3472060"/>
-              <a:gd name="connsiteY20" fmla="*/ 492202 h 825932"/>
-              <a:gd name="connsiteX21" fmla="*/ 1763708 w 3472060"/>
-              <a:gd name="connsiteY21" fmla="*/ 469161 h 825932"/>
-              <a:gd name="connsiteX22" fmla="*/ 1875795 w 3472060"/>
-              <a:gd name="connsiteY22" fmla="*/ 444641 h 825932"/>
-              <a:gd name="connsiteX23" fmla="*/ 1989128 w 3472060"/>
-              <a:gd name="connsiteY23" fmla="*/ 418995 h 825932"/>
-              <a:gd name="connsiteX24" fmla="*/ 2102476 w 3472060"/>
-              <a:gd name="connsiteY24" fmla="*/ 393438 h 825932"/>
-              <a:gd name="connsiteX25" fmla="*/ 2215549 w 3472060"/>
-              <a:gd name="connsiteY25" fmla="*/ 366291 h 825932"/>
-              <a:gd name="connsiteX26" fmla="*/ 2330490 w 3472060"/>
-              <a:gd name="connsiteY26" fmla="*/ 337455 h 825932"/>
-              <a:gd name="connsiteX27" fmla="*/ 2443333 w 3472060"/>
-              <a:gd name="connsiteY27" fmla="*/ 308983 h 825932"/>
-              <a:gd name="connsiteX28" fmla="*/ 2558014 w 3472060"/>
-              <a:gd name="connsiteY28" fmla="*/ 278646 h 825932"/>
-              <a:gd name="connsiteX29" fmla="*/ 2673621 w 3472060"/>
-              <a:gd name="connsiteY29" fmla="*/ 247421 h 825932"/>
-              <a:gd name="connsiteX30" fmla="*/ 2787008 w 3472060"/>
-              <a:gd name="connsiteY30" fmla="*/ 215853 h 825932"/>
-              <a:gd name="connsiteX31" fmla="*/ 2901442 w 3472060"/>
-              <a:gd name="connsiteY31" fmla="*/ 182011 h 825932"/>
-              <a:gd name="connsiteX32" fmla="*/ 3015722 w 3472060"/>
-              <a:gd name="connsiteY32" fmla="*/ 147286 h 825932"/>
-              <a:gd name="connsiteX33" fmla="*/ 3130018 w 3472060"/>
-              <a:gd name="connsiteY33" fmla="*/ 112649 h 825932"/>
-              <a:gd name="connsiteX34" fmla="*/ 3243551 w 3472060"/>
-              <a:gd name="connsiteY34" fmla="*/ 75688 h 825932"/>
-              <a:gd name="connsiteX35" fmla="*/ 3356992 w 3472060"/>
-              <a:gd name="connsiteY35" fmla="*/ 38197 h 825932"/>
-              <a:gd name="connsiteX36" fmla="*/ 3470310 w 3472060"/>
-              <a:gd name="connsiteY36" fmla="*/ 0 h 825932"/>
-            </a:gdLst>
-            <a:ahLst/>
-            <a:cxnLst>
-              <a:cxn ang="0">
-                <a:pos x="connsiteX0" y="connsiteY0"/>
-              </a:cxn>
-              <a:cxn ang="0">
-                <a:pos x="connsiteX1" y="connsiteY1"/>
-              </a:cxn>
-              <a:cxn ang="0">
-                <a:pos x="connsiteX2" y="connsiteY2"/>
-              </a:cxn>
-              <a:cxn ang="0">
-                <a:pos x="connsiteX3" y="connsiteY3"/>
-              </a:cxn>
-              <a:cxn ang="0">
-                <a:pos x="connsiteX4" y="connsiteY4"/>
-              </a:cxn>
-              <a:cxn ang="0">
-                <a:pos x="connsiteX5" y="connsiteY5"/>
-              </a:cxn>
-              <a:cxn ang="0">
-                <a:pos x="connsiteX6" y="connsiteY6"/>
-              </a:cxn>
-              <a:cxn ang="0">
-                <a:pos x="connsiteX7" y="connsiteY7"/>
-              </a:cxn>
-              <a:cxn ang="0">
-                <a:pos x="connsiteX8" y="connsiteY8"/>
-              </a:cxn>
-              <a:cxn ang="0">
-                <a:pos x="connsiteX9" y="connsiteY9"/>
-              </a:cxn>
-              <a:cxn ang="0">
-                <a:pos x="connsiteX10" y="connsiteY10"/>
-              </a:cxn>
-              <a:cxn ang="0">
-                <a:pos x="connsiteX11" y="connsiteY11"/>
-              </a:cxn>
-              <a:cxn ang="0">
-                <a:pos x="connsiteX12" y="connsiteY12"/>
-              </a:cxn>
-              <a:cxn ang="0">
-                <a:pos x="connsiteX13" y="connsiteY13"/>
-              </a:cxn>
-              <a:cxn ang="0">
-                <a:pos x="connsiteX14" y="connsiteY14"/>
-              </a:cxn>
-              <a:cxn ang="0">
-                <a:pos x="connsiteX15" y="connsiteY15"/>
-              </a:cxn>
-              <a:cxn ang="0">
-                <a:pos x="connsiteX16" y="connsiteY16"/>
-              </a:cxn>
-              <a:cxn ang="0">
-                <a:pos x="connsiteX17" y="connsiteY17"/>
-              </a:cxn>
-              <a:cxn ang="0">
-                <a:pos x="connsiteX18" y="connsiteY18"/>
-              </a:cxn>
-              <a:cxn ang="0">
-                <a:pos x="connsiteX19" y="connsiteY19"/>
-              </a:cxn>
-              <a:cxn ang="0">
-                <a:pos x="connsiteX20" y="connsiteY20"/>
-              </a:cxn>
-              <a:cxn ang="0">
-                <a:pos x="connsiteX21" y="connsiteY21"/>
-              </a:cxn>
-              <a:cxn ang="0">
-                <a:pos x="connsiteX22" y="connsiteY22"/>
-              </a:cxn>
-              <a:cxn ang="0">
-                <a:pos x="connsiteX23" y="connsiteY23"/>
-              </a:cxn>
-              <a:cxn ang="0">
-                <a:pos x="connsiteX24" y="connsiteY24"/>
-              </a:cxn>
-              <a:cxn ang="0">
-                <a:pos x="connsiteX25" y="connsiteY25"/>
-              </a:cxn>
-              <a:cxn ang="0">
-                <a:pos x="connsiteX26" y="connsiteY26"/>
-              </a:cxn>
-              <a:cxn ang="0">
-                <a:pos x="connsiteX27" y="connsiteY27"/>
-              </a:cxn>
-              <a:cxn ang="0">
-                <a:pos x="connsiteX28" y="connsiteY28"/>
-              </a:cxn>
-              <a:cxn ang="0">
-                <a:pos x="connsiteX29" y="connsiteY29"/>
-              </a:cxn>
-              <a:cxn ang="0">
-                <a:pos x="connsiteX30" y="connsiteY30"/>
-              </a:cxn>
-              <a:cxn ang="0">
-                <a:pos x="connsiteX31" y="connsiteY31"/>
-              </a:cxn>
-              <a:cxn ang="0">
-                <a:pos x="connsiteX32" y="connsiteY32"/>
-              </a:cxn>
-              <a:cxn ang="0">
-                <a:pos x="connsiteX33" y="connsiteY33"/>
-              </a:cxn>
-              <a:cxn ang="0">
-                <a:pos x="connsiteX34" y="connsiteY34"/>
-              </a:cxn>
-              <a:cxn ang="0">
-                <a:pos x="connsiteX35" y="connsiteY35"/>
-              </a:cxn>
-              <a:cxn ang="0">
-                <a:pos x="connsiteX36" y="connsiteY36"/>
-              </a:cxn>
-            </a:cxnLst>
-            <a:rect l="l" t="t" r="r" b="b"/>
-            <a:pathLst>
-              <a:path w="3472060" h="825932">
-                <a:moveTo>
-                  <a:pt x="3470310" y="0"/>
-                </a:moveTo>
-                <a:lnTo>
-                  <a:pt x="3472060" y="12850"/>
-                </a:lnTo>
-                <a:lnTo>
-                  <a:pt x="3472060" y="480529"/>
-                </a:lnTo>
-                <a:lnTo>
-                  <a:pt x="3363699" y="498471"/>
-                </a:lnTo>
-                <a:cubicBezTo>
-                  <a:pt x="2435623" y="645518"/>
-                  <a:pt x="603076" y="844866"/>
-                  <a:pt x="42060" y="824486"/>
-                </a:cubicBezTo>
-                <a:cubicBezTo>
-                  <a:pt x="28151" y="802425"/>
-                  <a:pt x="13909" y="780513"/>
-                  <a:pt x="0" y="758452"/>
-                </a:cubicBezTo>
-                <a:lnTo>
-                  <a:pt x="188014" y="735602"/>
-                </a:lnTo>
-                <a:lnTo>
-                  <a:pt x="284087" y="722590"/>
-                </a:lnTo>
-                <a:lnTo>
-                  <a:pt x="382288" y="709392"/>
-                </a:lnTo>
-                <a:lnTo>
-                  <a:pt x="481858" y="695774"/>
-                </a:lnTo>
-                <a:lnTo>
-                  <a:pt x="581897" y="680711"/>
-                </a:lnTo>
-                <a:lnTo>
-                  <a:pt x="683670" y="665256"/>
-                </a:lnTo>
-                <a:lnTo>
-                  <a:pt x="787206" y="649587"/>
-                </a:lnTo>
-                <a:lnTo>
-                  <a:pt x="892019" y="632968"/>
-                </a:lnTo>
-                <a:lnTo>
-                  <a:pt x="997620" y="614667"/>
-                </a:lnTo>
-                <a:lnTo>
-                  <a:pt x="1104727" y="596741"/>
-                </a:lnTo>
-                <a:lnTo>
-                  <a:pt x="1212669" y="577397"/>
-                </a:lnTo>
-                <a:lnTo>
-                  <a:pt x="1321506" y="556988"/>
-                </a:lnTo>
-                <a:lnTo>
-                  <a:pt x="1430709" y="536607"/>
-                </a:lnTo>
-                <a:lnTo>
-                  <a:pt x="1541050" y="514481"/>
-                </a:lnTo>
-                <a:lnTo>
-                  <a:pt x="1652805" y="492202"/>
-                </a:lnTo>
-                <a:lnTo>
-                  <a:pt x="1763708" y="469161"/>
-                </a:lnTo>
-                <a:lnTo>
-                  <a:pt x="1875795" y="444641"/>
-                </a:lnTo>
-                <a:lnTo>
-                  <a:pt x="1989128" y="418995"/>
-                </a:lnTo>
-                <a:lnTo>
-                  <a:pt x="2102476" y="393438"/>
-                </a:lnTo>
-                <a:lnTo>
-                  <a:pt x="2215549" y="366291"/>
-                </a:lnTo>
-                <a:lnTo>
-                  <a:pt x="2330490" y="337455"/>
-                </a:lnTo>
-                <a:lnTo>
-                  <a:pt x="2443333" y="308983"/>
-                </a:lnTo>
-                <a:lnTo>
-                  <a:pt x="2558014" y="278646"/>
-                </a:lnTo>
-                <a:lnTo>
-                  <a:pt x="2673621" y="247421"/>
-                </a:lnTo>
-                <a:lnTo>
-                  <a:pt x="2787008" y="215853"/>
-                </a:lnTo>
-                <a:lnTo>
-                  <a:pt x="2901442" y="182011"/>
-                </a:lnTo>
-                <a:lnTo>
-                  <a:pt x="3015722" y="147286"/>
-                </a:lnTo>
-                <a:lnTo>
-                  <a:pt x="3130018" y="112649"/>
-                </a:lnTo>
-                <a:lnTo>
-                  <a:pt x="3243551" y="75688"/>
-                </a:lnTo>
-                <a:lnTo>
-                  <a:pt x="3356992" y="38197"/>
-                </a:lnTo>
-                <a:lnTo>
-                  <a:pt x="3470310" y="0"/>
-                </a:lnTo>
-                <a:close/>
-              </a:path>
-            </a:pathLst>
-          </a:custGeom>
-          <a:solidFill>
-            <a:schemeClr val="bg1">
-              <a:alpha val="20000"/>
-            </a:schemeClr>
-          </a:solidFill>
-          <a:ln>
-            <a:noFill/>
-          </a:ln>
-        </p:spPr>
-        <p:txBody>
-          <a:bodyPr rtlCol="0" anchor="ctr"/>
-          <a:lstStyle/>
-          <a:p>
-            <a:pPr marL="0" marR="0" lvl="0" indent="0" algn="ctr" defTabSz="914400" rtl="0" eaLnBrk="1" fontAlgn="auto" latinLnBrk="0" hangingPunct="1">
-              <a:lnSpc>
-                <a:spcPct val="100000"/>
-              </a:lnSpc>
-              <a:spcBef>
-                <a:spcPts val="0"/>
-              </a:spcBef>
-              <a:spcAft>
-                <a:spcPts val="0"/>
-              </a:spcAft>
-              <a:buClrTx/>
-              <a:buSzTx/>
-              <a:buFontTx/>
-              <a:buNone/>
-              <a:tabLst/>
-              <a:defRPr/>
-            </a:pPr>
-            <a:endParaRPr kumimoji="0" lang="en-US" sz="1800" b="0" i="0" u="none" strike="noStrike" kern="1200" cap="none" spc="0" normalizeH="0" baseline="0" noProof="0">
-              <a:ln>
-                <a:noFill/>
-              </a:ln>
-              <a:solidFill>
-                <a:prstClr val="black"/>
-              </a:solidFill>
-              <a:effectLst/>
-              <a:uLnTx/>
-              <a:uFillTx/>
-              <a:latin typeface="Century Gothic" panose="020B0502020202020204"/>
-              <a:ea typeface="+mn-ea"/>
-              <a:cs typeface="+mn-cs"/>
-            </a:endParaRPr>
-          </a:p>
-        </p:txBody>
-      </p:sp>
-      <p:sp useBgFill="1">
-        <p:nvSpPr>
-          <p:cNvPr id="14" name="Freeform: Shape 13">
-            <a:extLst>
-              <a:ext uri="{FF2B5EF4-FFF2-40B4-BE49-F238E27FC236}">
-                <a16:creationId xmlns:a16="http://schemas.microsoft.com/office/drawing/2014/main" id="{6A681326-1C9D-44A3-A627-3871BDAE4127}"/>
-              </a:ext>
-              <a:ext uri="{C183D7F6-B498-43B3-948B-1728B52AA6E4}">
-                <adec:decorative xmlns:adec="http://schemas.microsoft.com/office/drawing/2017/decorative" val="1"/>
-              </a:ext>
-            </a:extLst>
-          </p:cNvPr>
-          <p:cNvSpPr>
-            <a:spLocks noGrp="1" noRot="1" noChangeAspect="1" noMove="1" noResize="1" noEditPoints="1" noAdjustHandles="1" noChangeArrowheads="1" noChangeShapeType="1" noTextEdit="1"/>
-          </p:cNvSpPr>
-          <p:nvPr>
-            <p:extLst>
-              <p:ext uri="{386F3935-93C4-4BCD-93E2-E3B085C9AB24}">
-                <p16:designElem xmlns:p16="http://schemas.microsoft.com/office/powerpoint/2015/main" val="1"/>
-              </p:ext>
-            </p:extLst>
-          </p:nvPr>
-        </p:nvSpPr>
-        <p:spPr bwMode="gray">
-          <a:xfrm>
-            <a:off x="1" y="1762067"/>
-            <a:ext cx="12192417" cy="5095933"/>
-          </a:xfrm>
-          <a:custGeom>
-            <a:avLst/>
-            <a:gdLst>
-              <a:gd name="connsiteX0" fmla="*/ 0 w 12192417"/>
-              <a:gd name="connsiteY0" fmla="*/ 0 h 5095933"/>
-              <a:gd name="connsiteX1" fmla="*/ 71931 w 12192417"/>
-              <a:gd name="connsiteY1" fmla="*/ 12261 h 5095933"/>
-              <a:gd name="connsiteX2" fmla="*/ 282848 w 12192417"/>
-              <a:gd name="connsiteY2" fmla="*/ 48343 h 5095933"/>
-              <a:gd name="connsiteX3" fmla="*/ 436463 w 12192417"/>
-              <a:gd name="connsiteY3" fmla="*/ 73565 h 5095933"/>
-              <a:gd name="connsiteX4" fmla="*/ 619338 w 12192417"/>
-              <a:gd name="connsiteY4" fmla="*/ 100188 h 5095933"/>
-              <a:gd name="connsiteX5" fmla="*/ 836350 w 12192417"/>
-              <a:gd name="connsiteY5" fmla="*/ 132066 h 5095933"/>
-              <a:gd name="connsiteX6" fmla="*/ 1076527 w 12192417"/>
-              <a:gd name="connsiteY6" fmla="*/ 165696 h 5095933"/>
-              <a:gd name="connsiteX7" fmla="*/ 1347183 w 12192417"/>
-              <a:gd name="connsiteY7" fmla="*/ 201077 h 5095933"/>
-              <a:gd name="connsiteX8" fmla="*/ 1642222 w 12192417"/>
-              <a:gd name="connsiteY8" fmla="*/ 238560 h 5095933"/>
-              <a:gd name="connsiteX9" fmla="*/ 1962863 w 12192417"/>
-              <a:gd name="connsiteY9" fmla="*/ 276043 h 5095933"/>
-              <a:gd name="connsiteX10" fmla="*/ 2304231 w 12192417"/>
-              <a:gd name="connsiteY10" fmla="*/ 314227 h 5095933"/>
-              <a:gd name="connsiteX11" fmla="*/ 2672420 w 12192417"/>
-              <a:gd name="connsiteY11" fmla="*/ 349608 h 5095933"/>
-              <a:gd name="connsiteX12" fmla="*/ 3057677 w 12192417"/>
-              <a:gd name="connsiteY12" fmla="*/ 383588 h 5095933"/>
-              <a:gd name="connsiteX13" fmla="*/ 3464880 w 12192417"/>
-              <a:gd name="connsiteY13" fmla="*/ 414415 h 5095933"/>
-              <a:gd name="connsiteX14" fmla="*/ 3889151 w 12192417"/>
-              <a:gd name="connsiteY14" fmla="*/ 443841 h 5095933"/>
-              <a:gd name="connsiteX15" fmla="*/ 4331709 w 12192417"/>
-              <a:gd name="connsiteY15" fmla="*/ 471515 h 5095933"/>
-              <a:gd name="connsiteX16" fmla="*/ 4558475 w 12192417"/>
-              <a:gd name="connsiteY16" fmla="*/ 481324 h 5095933"/>
-              <a:gd name="connsiteX17" fmla="*/ 4790117 w 12192417"/>
-              <a:gd name="connsiteY17" fmla="*/ 492183 h 5095933"/>
-              <a:gd name="connsiteX18" fmla="*/ 5025417 w 12192417"/>
-              <a:gd name="connsiteY18" fmla="*/ 502342 h 5095933"/>
-              <a:gd name="connsiteX19" fmla="*/ 5261936 w 12192417"/>
-              <a:gd name="connsiteY19" fmla="*/ 508998 h 5095933"/>
-              <a:gd name="connsiteX20" fmla="*/ 5503331 w 12192417"/>
-              <a:gd name="connsiteY20" fmla="*/ 514953 h 5095933"/>
-              <a:gd name="connsiteX21" fmla="*/ 5747166 w 12192417"/>
-              <a:gd name="connsiteY21" fmla="*/ 521259 h 5095933"/>
-              <a:gd name="connsiteX22" fmla="*/ 5995876 w 12192417"/>
-              <a:gd name="connsiteY22" fmla="*/ 525463 h 5095933"/>
-              <a:gd name="connsiteX23" fmla="*/ 6247025 w 12192417"/>
-              <a:gd name="connsiteY23" fmla="*/ 525463 h 5095933"/>
-              <a:gd name="connsiteX24" fmla="*/ 6500612 w 12192417"/>
-              <a:gd name="connsiteY24" fmla="*/ 527565 h 5095933"/>
-              <a:gd name="connsiteX25" fmla="*/ 6756638 w 12192417"/>
-              <a:gd name="connsiteY25" fmla="*/ 525463 h 5095933"/>
-              <a:gd name="connsiteX26" fmla="*/ 7016321 w 12192417"/>
-              <a:gd name="connsiteY26" fmla="*/ 521259 h 5095933"/>
-              <a:gd name="connsiteX27" fmla="*/ 7276004 w 12192417"/>
-              <a:gd name="connsiteY27" fmla="*/ 517406 h 5095933"/>
-              <a:gd name="connsiteX28" fmla="*/ 7539344 w 12192417"/>
-              <a:gd name="connsiteY28" fmla="*/ 508998 h 5095933"/>
-              <a:gd name="connsiteX29" fmla="*/ 7805123 w 12192417"/>
-              <a:gd name="connsiteY29" fmla="*/ 500241 h 5095933"/>
-              <a:gd name="connsiteX30" fmla="*/ 8070902 w 12192417"/>
-              <a:gd name="connsiteY30" fmla="*/ 490082 h 5095933"/>
-              <a:gd name="connsiteX31" fmla="*/ 8339120 w 12192417"/>
-              <a:gd name="connsiteY31" fmla="*/ 475719 h 5095933"/>
-              <a:gd name="connsiteX32" fmla="*/ 8609775 w 12192417"/>
-              <a:gd name="connsiteY32" fmla="*/ 458554 h 5095933"/>
-              <a:gd name="connsiteX33" fmla="*/ 8881650 w 12192417"/>
-              <a:gd name="connsiteY33" fmla="*/ 442089 h 5095933"/>
-              <a:gd name="connsiteX34" fmla="*/ 9153525 w 12192417"/>
-              <a:gd name="connsiteY34" fmla="*/ 421071 h 5095933"/>
-              <a:gd name="connsiteX35" fmla="*/ 9429057 w 12192417"/>
-              <a:gd name="connsiteY35" fmla="*/ 395849 h 5095933"/>
-              <a:gd name="connsiteX36" fmla="*/ 9700932 w 12192417"/>
-              <a:gd name="connsiteY36" fmla="*/ 370626 h 5095933"/>
-              <a:gd name="connsiteX37" fmla="*/ 9977683 w 12192417"/>
-              <a:gd name="connsiteY37" fmla="*/ 341551 h 5095933"/>
-              <a:gd name="connsiteX38" fmla="*/ 10255654 w 12192417"/>
-              <a:gd name="connsiteY38" fmla="*/ 309673 h 5095933"/>
-              <a:gd name="connsiteX39" fmla="*/ 10529967 w 12192417"/>
-              <a:gd name="connsiteY39" fmla="*/ 276043 h 5095933"/>
-              <a:gd name="connsiteX40" fmla="*/ 10807938 w 12192417"/>
-              <a:gd name="connsiteY40" fmla="*/ 236809 h 5095933"/>
-              <a:gd name="connsiteX41" fmla="*/ 11084689 w 12192417"/>
-              <a:gd name="connsiteY41" fmla="*/ 194772 h 5095933"/>
-              <a:gd name="connsiteX42" fmla="*/ 11362660 w 12192417"/>
-              <a:gd name="connsiteY42" fmla="*/ 153085 h 5095933"/>
-              <a:gd name="connsiteX43" fmla="*/ 11639411 w 12192417"/>
-              <a:gd name="connsiteY43" fmla="*/ 104392 h 5095933"/>
-              <a:gd name="connsiteX44" fmla="*/ 11914944 w 12192417"/>
-              <a:gd name="connsiteY44" fmla="*/ 54648 h 5095933"/>
-              <a:gd name="connsiteX45" fmla="*/ 12191695 w 12192417"/>
-              <a:gd name="connsiteY45" fmla="*/ 2452 h 5095933"/>
-              <a:gd name="connsiteX46" fmla="*/ 12191695 w 12192417"/>
-              <a:gd name="connsiteY46" fmla="*/ 2162231 h 5095933"/>
-              <a:gd name="connsiteX47" fmla="*/ 12192417 w 12192417"/>
-              <a:gd name="connsiteY47" fmla="*/ 2162231 h 5095933"/>
-              <a:gd name="connsiteX48" fmla="*/ 12192417 w 12192417"/>
-              <a:gd name="connsiteY48" fmla="*/ 5095933 h 5095933"/>
-              <a:gd name="connsiteX49" fmla="*/ 0 w 12192417"/>
-              <a:gd name="connsiteY49" fmla="*/ 5095933 h 5095933"/>
-              <a:gd name="connsiteX50" fmla="*/ 0 w 12192417"/>
-              <a:gd name="connsiteY50" fmla="*/ 2791958 h 5095933"/>
-              <a:gd name="connsiteX51" fmla="*/ 0 w 12192417"/>
-              <a:gd name="connsiteY51" fmla="*/ 2162231 h 5095933"/>
-            </a:gdLst>
-            <a:ahLst/>
-            <a:cxnLst>
-              <a:cxn ang="0">
-                <a:pos x="connsiteX0" y="connsiteY0"/>
-              </a:cxn>
-              <a:cxn ang="0">
-                <a:pos x="connsiteX1" y="connsiteY1"/>
-              </a:cxn>
-              <a:cxn ang="0">
-                <a:pos x="connsiteX2" y="connsiteY2"/>
-              </a:cxn>
-              <a:cxn ang="0">
-                <a:pos x="connsiteX3" y="connsiteY3"/>
-              </a:cxn>
-              <a:cxn ang="0">
-                <a:pos x="connsiteX4" y="connsiteY4"/>
-              </a:cxn>
-              <a:cxn ang="0">
-                <a:pos x="connsiteX5" y="connsiteY5"/>
-              </a:cxn>
-              <a:cxn ang="0">
-                <a:pos x="connsiteX6" y="connsiteY6"/>
-              </a:cxn>
-              <a:cxn ang="0">
-                <a:pos x="connsiteX7" y="connsiteY7"/>
-              </a:cxn>
-              <a:cxn ang="0">
-                <a:pos x="connsiteX8" y="connsiteY8"/>
-              </a:cxn>
-              <a:cxn ang="0">
-                <a:pos x="connsiteX9" y="connsiteY9"/>
-              </a:cxn>
-              <a:cxn ang="0">
-                <a:pos x="connsiteX10" y="connsiteY10"/>
-              </a:cxn>
-              <a:cxn ang="0">
-                <a:pos x="connsiteX11" y="connsiteY11"/>
-              </a:cxn>
-              <a:cxn ang="0">
-                <a:pos x="connsiteX12" y="connsiteY12"/>
-              </a:cxn>
-              <a:cxn ang="0">
-                <a:pos x="connsiteX13" y="connsiteY13"/>
-              </a:cxn>
-              <a:cxn ang="0">
-                <a:pos x="connsiteX14" y="connsiteY14"/>
-              </a:cxn>
-              <a:cxn ang="0">
-                <a:pos x="connsiteX15" y="connsiteY15"/>
-              </a:cxn>
-              <a:cxn ang="0">
-                <a:pos x="connsiteX16" y="connsiteY16"/>
-              </a:cxn>
-              <a:cxn ang="0">
-                <a:pos x="connsiteX17" y="connsiteY17"/>
-              </a:cxn>
-              <a:cxn ang="0">
-                <a:pos x="connsiteX18" y="connsiteY18"/>
-              </a:cxn>
-              <a:cxn ang="0">
-                <a:pos x="connsiteX19" y="connsiteY19"/>
-              </a:cxn>
-              <a:cxn ang="0">
-                <a:pos x="connsiteX20" y="connsiteY20"/>
-              </a:cxn>
-              <a:cxn ang="0">
-                <a:pos x="connsiteX21" y="connsiteY21"/>
-              </a:cxn>
-              <a:cxn ang="0">
-                <a:pos x="connsiteX22" y="connsiteY22"/>
-              </a:cxn>
-              <a:cxn ang="0">
-                <a:pos x="connsiteX23" y="connsiteY23"/>
-              </a:cxn>
-              <a:cxn ang="0">
-                <a:pos x="connsiteX24" y="connsiteY24"/>
-              </a:cxn>
-              <a:cxn ang="0">
-                <a:pos x="connsiteX25" y="connsiteY25"/>
-              </a:cxn>
-              <a:cxn ang="0">
-                <a:pos x="connsiteX26" y="connsiteY26"/>
-              </a:cxn>
-              <a:cxn ang="0">
-                <a:pos x="connsiteX27" y="connsiteY27"/>
-              </a:cxn>
-              <a:cxn ang="0">
-                <a:pos x="connsiteX28" y="connsiteY28"/>
-              </a:cxn>
-              <a:cxn ang="0">
-                <a:pos x="connsiteX29" y="connsiteY29"/>
-              </a:cxn>
-              <a:cxn ang="0">
-                <a:pos x="connsiteX30" y="connsiteY30"/>
-              </a:cxn>
-              <a:cxn ang="0">
-                <a:pos x="connsiteX31" y="connsiteY31"/>
-              </a:cxn>
-              <a:cxn ang="0">
-                <a:pos x="connsiteX32" y="connsiteY32"/>
-              </a:cxn>
-              <a:cxn ang="0">
-                <a:pos x="connsiteX33" y="connsiteY33"/>
-              </a:cxn>
-              <a:cxn ang="0">
-                <a:pos x="connsiteX34" y="connsiteY34"/>
-              </a:cxn>
-              <a:cxn ang="0">
-                <a:pos x="connsiteX35" y="connsiteY35"/>
-              </a:cxn>
-              <a:cxn ang="0">
-                <a:pos x="connsiteX36" y="connsiteY36"/>
-              </a:cxn>
-              <a:cxn ang="0">
-                <a:pos x="connsiteX37" y="connsiteY37"/>
-              </a:cxn>
-              <a:cxn ang="0">
-                <a:pos x="connsiteX38" y="connsiteY38"/>
-              </a:cxn>
-              <a:cxn ang="0">
-                <a:pos x="connsiteX39" y="connsiteY39"/>
-              </a:cxn>
-              <a:cxn ang="0">
-                <a:pos x="connsiteX40" y="connsiteY40"/>
-              </a:cxn>
-              <a:cxn ang="0">
-                <a:pos x="connsiteX41" y="connsiteY41"/>
-              </a:cxn>
-              <a:cxn ang="0">
-                <a:pos x="connsiteX42" y="connsiteY42"/>
-              </a:cxn>
-              <a:cxn ang="0">
-                <a:pos x="connsiteX43" y="connsiteY43"/>
-              </a:cxn>
-              <a:cxn ang="0">
-                <a:pos x="connsiteX44" y="connsiteY44"/>
-              </a:cxn>
-              <a:cxn ang="0">
-                <a:pos x="connsiteX45" y="connsiteY45"/>
-              </a:cxn>
-              <a:cxn ang="0">
-                <a:pos x="connsiteX46" y="connsiteY46"/>
-              </a:cxn>
-              <a:cxn ang="0">
-                <a:pos x="connsiteX47" y="connsiteY47"/>
-              </a:cxn>
-              <a:cxn ang="0">
-                <a:pos x="connsiteX48" y="connsiteY48"/>
-              </a:cxn>
-              <a:cxn ang="0">
-                <a:pos x="connsiteX49" y="connsiteY49"/>
-              </a:cxn>
-              <a:cxn ang="0">
-                <a:pos x="connsiteX50" y="connsiteY50"/>
-              </a:cxn>
-              <a:cxn ang="0">
-                <a:pos x="connsiteX51" y="connsiteY51"/>
-              </a:cxn>
-            </a:cxnLst>
-            <a:rect l="l" t="t" r="r" b="b"/>
-            <a:pathLst>
-              <a:path w="12192417" h="5095933">
-                <a:moveTo>
-                  <a:pt x="0" y="0"/>
-                </a:moveTo>
-                <a:lnTo>
-                  <a:pt x="71931" y="12261"/>
-                </a:lnTo>
-                <a:lnTo>
-                  <a:pt x="282848" y="48343"/>
-                </a:lnTo>
-                <a:lnTo>
-                  <a:pt x="436463" y="73565"/>
-                </a:lnTo>
-                <a:lnTo>
-                  <a:pt x="619338" y="100188"/>
-                </a:lnTo>
-                <a:lnTo>
-                  <a:pt x="836350" y="132066"/>
-                </a:lnTo>
-                <a:lnTo>
-                  <a:pt x="1076527" y="165696"/>
-                </a:lnTo>
-                <a:lnTo>
-                  <a:pt x="1347183" y="201077"/>
-                </a:lnTo>
-                <a:lnTo>
-                  <a:pt x="1642222" y="238560"/>
-                </a:lnTo>
-                <a:lnTo>
-                  <a:pt x="1962863" y="276043"/>
-                </a:lnTo>
-                <a:lnTo>
-                  <a:pt x="2304231" y="314227"/>
-                </a:lnTo>
-                <a:lnTo>
-                  <a:pt x="2672420" y="349608"/>
-                </a:lnTo>
-                <a:lnTo>
-                  <a:pt x="3057677" y="383588"/>
-                </a:lnTo>
-                <a:lnTo>
-                  <a:pt x="3464880" y="414415"/>
-                </a:lnTo>
-                <a:lnTo>
-                  <a:pt x="3889151" y="443841"/>
-                </a:lnTo>
-                <a:lnTo>
-                  <a:pt x="4331709" y="471515"/>
-                </a:lnTo>
-                <a:lnTo>
-                  <a:pt x="4558475" y="481324"/>
-                </a:lnTo>
-                <a:lnTo>
-                  <a:pt x="4790117" y="492183"/>
-                </a:lnTo>
-                <a:lnTo>
-                  <a:pt x="5025417" y="502342"/>
-                </a:lnTo>
-                <a:lnTo>
-                  <a:pt x="5261936" y="508998"/>
-                </a:lnTo>
-                <a:lnTo>
-                  <a:pt x="5503331" y="514953"/>
-                </a:lnTo>
-                <a:lnTo>
-                  <a:pt x="5747166" y="521259"/>
-                </a:lnTo>
-                <a:lnTo>
-                  <a:pt x="5995876" y="525463"/>
-                </a:lnTo>
-                <a:lnTo>
-                  <a:pt x="6247025" y="525463"/>
-                </a:lnTo>
-                <a:lnTo>
-                  <a:pt x="6500612" y="527565"/>
-                </a:lnTo>
-                <a:lnTo>
-                  <a:pt x="6756638" y="525463"/>
-                </a:lnTo>
-                <a:lnTo>
-                  <a:pt x="7016321" y="521259"/>
-                </a:lnTo>
-                <a:lnTo>
-                  <a:pt x="7276004" y="517406"/>
-                </a:lnTo>
-                <a:lnTo>
-                  <a:pt x="7539344" y="508998"/>
-                </a:lnTo>
-                <a:lnTo>
-                  <a:pt x="7805123" y="500241"/>
-                </a:lnTo>
-                <a:lnTo>
-                  <a:pt x="8070902" y="490082"/>
-                </a:lnTo>
-                <a:lnTo>
-                  <a:pt x="8339120" y="475719"/>
-                </a:lnTo>
-                <a:lnTo>
-                  <a:pt x="8609775" y="458554"/>
-                </a:lnTo>
-                <a:lnTo>
-                  <a:pt x="8881650" y="442089"/>
-                </a:lnTo>
-                <a:lnTo>
-                  <a:pt x="9153525" y="421071"/>
-                </a:lnTo>
-                <a:lnTo>
-                  <a:pt x="9429057" y="395849"/>
-                </a:lnTo>
-                <a:lnTo>
-                  <a:pt x="9700932" y="370626"/>
-                </a:lnTo>
-                <a:lnTo>
-                  <a:pt x="9977683" y="341551"/>
-                </a:lnTo>
-                <a:lnTo>
-                  <a:pt x="10255654" y="309673"/>
-                </a:lnTo>
-                <a:lnTo>
-                  <a:pt x="10529967" y="276043"/>
-                </a:lnTo>
-                <a:lnTo>
-                  <a:pt x="10807938" y="236809"/>
-                </a:lnTo>
-                <a:lnTo>
-                  <a:pt x="11084689" y="194772"/>
-                </a:lnTo>
-                <a:lnTo>
-                  <a:pt x="11362660" y="153085"/>
-                </a:lnTo>
-                <a:lnTo>
-                  <a:pt x="11639411" y="104392"/>
-                </a:lnTo>
-                <a:lnTo>
-                  <a:pt x="11914944" y="54648"/>
-                </a:lnTo>
-                <a:lnTo>
-                  <a:pt x="12191695" y="2452"/>
-                </a:lnTo>
-                <a:lnTo>
-                  <a:pt x="12191695" y="2162231"/>
-                </a:lnTo>
-                <a:lnTo>
-                  <a:pt x="12192417" y="2162231"/>
-                </a:lnTo>
-                <a:lnTo>
-                  <a:pt x="12192417" y="5095933"/>
-                </a:lnTo>
-                <a:lnTo>
-                  <a:pt x="0" y="5095933"/>
-                </a:lnTo>
-                <a:lnTo>
-                  <a:pt x="0" y="2791958"/>
-                </a:lnTo>
-                <a:lnTo>
-                  <a:pt x="0" y="2162231"/>
-                </a:lnTo>
-                <a:close/>
-              </a:path>
-            </a:pathLst>
-          </a:custGeom>
-          <a:ln>
-            <a:noFill/>
-          </a:ln>
-        </p:spPr>
-        <p:txBody>
-          <a:bodyPr/>
-          <a:lstStyle/>
-          <a:p>
-            <a:endParaRPr lang="en-GB"/>
-          </a:p>
-        </p:txBody>
-      </p:sp>
-      <p:sp>
-        <p:nvSpPr>
           <p:cNvPr id="2" name="Title 1">
             <a:extLst>
               <a:ext uri="{FF2B5EF4-FFF2-40B4-BE49-F238E27FC236}">
@@ -10297,7 +8358,9 @@
           </a:xfrm>
         </p:spPr>
         <p:txBody>
-          <a:bodyPr/>
+          <a:bodyPr>
+            <a:normAutofit fontScale="90000"/>
+          </a:bodyPr>
           <a:lstStyle/>
           <a:p>
             <a:r>
@@ -10358,7 +8421,7 @@
         </p:blipFill>
         <p:spPr>
           <a:xfrm>
-            <a:off x="2774091" y="2376488"/>
+            <a:off x="2488341" y="2052638"/>
             <a:ext cx="6177094" cy="4195762"/>
           </a:xfrm>
         </p:spPr>
